--- a/doc/模仿腾讯云短信服务.pptx
+++ b/doc/模仿腾讯云短信服务.pptx
@@ -5,7 +5,7 @@
     <p:sldMasterId id="2147483648" r:id="rId1"/>
   </p:sldMasterIdLst>
   <p:notesMasterIdLst>
-    <p:notesMasterId r:id="rId8"/>
+    <p:notesMasterId r:id="rId11"/>
   </p:notesMasterIdLst>
   <p:sldIdLst>
     <p:sldId id="256" r:id="rId2"/>
@@ -13,7 +13,10 @@
     <p:sldId id="304" r:id="rId4"/>
     <p:sldId id="305" r:id="rId5"/>
     <p:sldId id="306" r:id="rId6"/>
-    <p:sldId id="286" r:id="rId7"/>
+    <p:sldId id="308" r:id="rId7"/>
+    <p:sldId id="309" r:id="rId8"/>
+    <p:sldId id="310" r:id="rId9"/>
+    <p:sldId id="286" r:id="rId10"/>
   </p:sldIdLst>
   <p:sldSz cx="9144000" cy="5143500" type="screen16x9"/>
   <p:notesSz cx="6858000" cy="9144000"/>
@@ -1568,7 +1571,7 @@
       </p:grpSpPr>
       <p:sp>
         <p:nvSpPr>
-          <p:cNvPr id="66562" name="幻灯片图像占位符 1"/>
+          <p:cNvPr id="41986" name="幻灯片图像占位符 1"/>
           <p:cNvSpPr>
             <a:spLocks noGrp="1" noRot="1" noChangeAspect="1" noChangeArrowheads="1" noTextEdit="1"/>
           </p:cNvSpPr>
@@ -1584,7 +1587,7 @@
       </p:sp>
       <p:sp>
         <p:nvSpPr>
-          <p:cNvPr id="66563" name="备注占位符 2"/>
+          <p:cNvPr id="41987" name="备注占位符 2"/>
           <p:cNvSpPr>
             <a:spLocks noGrp="1" noChangeArrowheads="1"/>
           </p:cNvSpPr>
@@ -1598,13 +1601,13 @@
           <a:lstStyle/>
           <a:p>
             <a:pPr eaLnBrk="1" hangingPunct="1"/>
-            <a:endParaRPr lang="zh-CN" altLang="en-US" smtClean="0"/>
-          </a:p>
-        </p:txBody>
-      </p:sp>
-      <p:sp>
-        <p:nvSpPr>
-          <p:cNvPr id="66564" name="灯片编号占位符 3"/>
+            <a:endParaRPr lang="zh-CN" altLang="en-US" dirty="0" smtClean="0"/>
+          </a:p>
+        </p:txBody>
+      </p:sp>
+      <p:sp>
+        <p:nvSpPr>
+          <p:cNvPr id="41988" name="灯片编号占位符 3"/>
           <p:cNvSpPr>
             <a:spLocks noGrp="1" noChangeArrowheads="1"/>
           </p:cNvSpPr>
@@ -1744,9 +1747,657 @@
             </a:lvl9pPr>
           </a:lstStyle>
           <a:p>
+            <a:fld id="{63294C6E-E21D-4BA3-81A6-94F04B7B38F3}" type="slidenum">
+              <a:rPr altLang="en-US"/>
+              <a:t>6</a:t>
+            </a:fld>
+            <a:endParaRPr lang="zh-CN" altLang="en-US"/>
+          </a:p>
+        </p:txBody>
+      </p:sp>
+    </p:spTree>
+    <p:extLst>
+      <p:ext uri="{BB962C8B-B14F-4D97-AF65-F5344CB8AC3E}">
+        <p14:creationId xmlns:p14="http://schemas.microsoft.com/office/powerpoint/2010/main" val="1770034990"/>
+      </p:ext>
+    </p:extLst>
+  </p:cSld>
+  <p:clrMapOvr>
+    <a:masterClrMapping/>
+  </p:clrMapOvr>
+</p:notes>
+</file>
+
+<file path=ppt/notesSlides/notesSlide7.xml><?xml version="1.0" encoding="utf-8"?>
+<p:notes xmlns:a="http://schemas.openxmlformats.org/drawingml/2006/main" xmlns:r="http://schemas.openxmlformats.org/officeDocument/2006/relationships" xmlns:p="http://schemas.openxmlformats.org/presentationml/2006/main">
+  <p:cSld>
+    <p:spTree>
+      <p:nvGrpSpPr>
+        <p:cNvPr id="1" name=""/>
+        <p:cNvGrpSpPr/>
+        <p:nvPr/>
+      </p:nvGrpSpPr>
+      <p:grpSpPr>
+        <a:xfrm>
+          <a:off x="0" y="0"/>
+          <a:ext cx="0" cy="0"/>
+          <a:chOff x="0" y="0"/>
+          <a:chExt cx="0" cy="0"/>
+        </a:xfrm>
+      </p:grpSpPr>
+      <p:sp>
+        <p:nvSpPr>
+          <p:cNvPr id="41986" name="幻灯片图像占位符 1"/>
+          <p:cNvSpPr>
+            <a:spLocks noGrp="1" noRot="1" noChangeAspect="1" noChangeArrowheads="1" noTextEdit="1"/>
+          </p:cNvSpPr>
+          <p:nvPr>
+            <p:ph type="sldImg" idx="4294967295"/>
+          </p:nvPr>
+        </p:nvSpPr>
+        <p:spPr>
+          <a:ln>
+            <a:miter lim="800000"/>
+          </a:ln>
+        </p:spPr>
+      </p:sp>
+      <p:sp>
+        <p:nvSpPr>
+          <p:cNvPr id="41987" name="备注占位符 2"/>
+          <p:cNvSpPr>
+            <a:spLocks noGrp="1" noChangeArrowheads="1"/>
+          </p:cNvSpPr>
+          <p:nvPr>
+            <p:ph type="body" idx="4294967295"/>
+          </p:nvPr>
+        </p:nvSpPr>
+        <p:spPr/>
+        <p:txBody>
+          <a:bodyPr/>
+          <a:lstStyle/>
+          <a:p>
+            <a:pPr eaLnBrk="1" hangingPunct="1"/>
+            <a:endParaRPr lang="zh-CN" altLang="en-US" dirty="0" smtClean="0"/>
+          </a:p>
+        </p:txBody>
+      </p:sp>
+      <p:sp>
+        <p:nvSpPr>
+          <p:cNvPr id="41988" name="灯片编号占位符 3"/>
+          <p:cNvSpPr>
+            <a:spLocks noGrp="1" noChangeArrowheads="1"/>
+          </p:cNvSpPr>
+          <p:nvPr>
+            <p:ph type="sldNum" sz="quarter" idx="5"/>
+          </p:nvPr>
+        </p:nvSpPr>
+        <p:spPr bwMode="auto">
+          <a:noFill/>
+          <a:extLst>
+            <a:ext uri="{909E8E84-426E-40DD-AFC4-6F175D3DCCD1}">
+              <a14:hiddenFill xmlns:a14="http://schemas.microsoft.com/office/drawing/2010/main">
+                <a:solidFill>
+                  <a:srgbClr val="FFFFFF"/>
+                </a:solidFill>
+              </a14:hiddenFill>
+            </a:ext>
+            <a:ext uri="{91240B29-F687-4F45-9708-019B960494DF}">
+              <a14:hiddenLine xmlns:a14="http://schemas.microsoft.com/office/drawing/2010/main" w="9525">
+                <a:solidFill>
+                  <a:srgbClr val="000000"/>
+                </a:solidFill>
+                <a:miter lim="800000"/>
+                <a:headEnd/>
+                <a:tailEnd/>
+              </a14:hiddenLine>
+            </a:ext>
+          </a:extLst>
+        </p:spPr>
+        <p:txBody>
+          <a:bodyPr/>
+          <a:lstStyle>
+            <a:lvl1pPr>
+              <a:defRPr>
+                <a:solidFill>
+                  <a:schemeClr val="tx1"/>
+                </a:solidFill>
+                <a:latin typeface="Calibri" panose="020F0502020204030204" pitchFamily="34" charset="0"/>
+                <a:ea typeface="宋体" panose="02010600030101010101" pitchFamily="2" charset="-122"/>
+              </a:defRPr>
+            </a:lvl1pPr>
+            <a:lvl2pPr marL="742950" indent="-285750">
+              <a:defRPr>
+                <a:solidFill>
+                  <a:schemeClr val="tx1"/>
+                </a:solidFill>
+                <a:latin typeface="Calibri" panose="020F0502020204030204" pitchFamily="34" charset="0"/>
+                <a:ea typeface="宋体" panose="02010600030101010101" pitchFamily="2" charset="-122"/>
+              </a:defRPr>
+            </a:lvl2pPr>
+            <a:lvl3pPr marL="1143000" indent="-228600">
+              <a:defRPr>
+                <a:solidFill>
+                  <a:schemeClr val="tx1"/>
+                </a:solidFill>
+                <a:latin typeface="Calibri" panose="020F0502020204030204" pitchFamily="34" charset="0"/>
+                <a:ea typeface="宋体" panose="02010600030101010101" pitchFamily="2" charset="-122"/>
+              </a:defRPr>
+            </a:lvl3pPr>
+            <a:lvl4pPr marL="1600200" indent="-228600">
+              <a:defRPr>
+                <a:solidFill>
+                  <a:schemeClr val="tx1"/>
+                </a:solidFill>
+                <a:latin typeface="Calibri" panose="020F0502020204030204" pitchFamily="34" charset="0"/>
+                <a:ea typeface="宋体" panose="02010600030101010101" pitchFamily="2" charset="-122"/>
+              </a:defRPr>
+            </a:lvl4pPr>
+            <a:lvl5pPr marL="2057400" indent="-228600">
+              <a:defRPr>
+                <a:solidFill>
+                  <a:schemeClr val="tx1"/>
+                </a:solidFill>
+                <a:latin typeface="Calibri" panose="020F0502020204030204" pitchFamily="34" charset="0"/>
+                <a:ea typeface="宋体" panose="02010600030101010101" pitchFamily="2" charset="-122"/>
+              </a:defRPr>
+            </a:lvl5pPr>
+            <a:lvl6pPr marL="2514600" indent="-228600" eaLnBrk="0" fontAlgn="base" hangingPunct="0">
+              <a:spcBef>
+                <a:spcPct val="0"/>
+              </a:spcBef>
+              <a:spcAft>
+                <a:spcPct val="0"/>
+              </a:spcAft>
+              <a:defRPr>
+                <a:solidFill>
+                  <a:schemeClr val="tx1"/>
+                </a:solidFill>
+                <a:latin typeface="Calibri" panose="020F0502020204030204" pitchFamily="34" charset="0"/>
+                <a:ea typeface="宋体" panose="02010600030101010101" pitchFamily="2" charset="-122"/>
+              </a:defRPr>
+            </a:lvl6pPr>
+            <a:lvl7pPr marL="2971800" indent="-228600" eaLnBrk="0" fontAlgn="base" hangingPunct="0">
+              <a:spcBef>
+                <a:spcPct val="0"/>
+              </a:spcBef>
+              <a:spcAft>
+                <a:spcPct val="0"/>
+              </a:spcAft>
+              <a:defRPr>
+                <a:solidFill>
+                  <a:schemeClr val="tx1"/>
+                </a:solidFill>
+                <a:latin typeface="Calibri" panose="020F0502020204030204" pitchFamily="34" charset="0"/>
+                <a:ea typeface="宋体" panose="02010600030101010101" pitchFamily="2" charset="-122"/>
+              </a:defRPr>
+            </a:lvl7pPr>
+            <a:lvl8pPr marL="3429000" indent="-228600" eaLnBrk="0" fontAlgn="base" hangingPunct="0">
+              <a:spcBef>
+                <a:spcPct val="0"/>
+              </a:spcBef>
+              <a:spcAft>
+                <a:spcPct val="0"/>
+              </a:spcAft>
+              <a:defRPr>
+                <a:solidFill>
+                  <a:schemeClr val="tx1"/>
+                </a:solidFill>
+                <a:latin typeface="Calibri" panose="020F0502020204030204" pitchFamily="34" charset="0"/>
+                <a:ea typeface="宋体" panose="02010600030101010101" pitchFamily="2" charset="-122"/>
+              </a:defRPr>
+            </a:lvl8pPr>
+            <a:lvl9pPr marL="3886200" indent="-228600" eaLnBrk="0" fontAlgn="base" hangingPunct="0">
+              <a:spcBef>
+                <a:spcPct val="0"/>
+              </a:spcBef>
+              <a:spcAft>
+                <a:spcPct val="0"/>
+              </a:spcAft>
+              <a:defRPr>
+                <a:solidFill>
+                  <a:schemeClr val="tx1"/>
+                </a:solidFill>
+                <a:latin typeface="Calibri" panose="020F0502020204030204" pitchFamily="34" charset="0"/>
+                <a:ea typeface="宋体" panose="02010600030101010101" pitchFamily="2" charset="-122"/>
+              </a:defRPr>
+            </a:lvl9pPr>
+          </a:lstStyle>
+          <a:p>
+            <a:fld id="{63294C6E-E21D-4BA3-81A6-94F04B7B38F3}" type="slidenum">
+              <a:rPr altLang="en-US"/>
+              <a:t>7</a:t>
+            </a:fld>
+            <a:endParaRPr lang="zh-CN" altLang="en-US"/>
+          </a:p>
+        </p:txBody>
+      </p:sp>
+    </p:spTree>
+    <p:extLst>
+      <p:ext uri="{BB962C8B-B14F-4D97-AF65-F5344CB8AC3E}">
+        <p14:creationId xmlns:p14="http://schemas.microsoft.com/office/powerpoint/2010/main" val="812719238"/>
+      </p:ext>
+    </p:extLst>
+  </p:cSld>
+  <p:clrMapOvr>
+    <a:masterClrMapping/>
+  </p:clrMapOvr>
+</p:notes>
+</file>
+
+<file path=ppt/notesSlides/notesSlide8.xml><?xml version="1.0" encoding="utf-8"?>
+<p:notes xmlns:a="http://schemas.openxmlformats.org/drawingml/2006/main" xmlns:r="http://schemas.openxmlformats.org/officeDocument/2006/relationships" xmlns:p="http://schemas.openxmlformats.org/presentationml/2006/main">
+  <p:cSld>
+    <p:spTree>
+      <p:nvGrpSpPr>
+        <p:cNvPr id="1" name=""/>
+        <p:cNvGrpSpPr/>
+        <p:nvPr/>
+      </p:nvGrpSpPr>
+      <p:grpSpPr>
+        <a:xfrm>
+          <a:off x="0" y="0"/>
+          <a:ext cx="0" cy="0"/>
+          <a:chOff x="0" y="0"/>
+          <a:chExt cx="0" cy="0"/>
+        </a:xfrm>
+      </p:grpSpPr>
+      <p:sp>
+        <p:nvSpPr>
+          <p:cNvPr id="41986" name="幻灯片图像占位符 1"/>
+          <p:cNvSpPr>
+            <a:spLocks noGrp="1" noRot="1" noChangeAspect="1" noChangeArrowheads="1" noTextEdit="1"/>
+          </p:cNvSpPr>
+          <p:nvPr>
+            <p:ph type="sldImg" idx="4294967295"/>
+          </p:nvPr>
+        </p:nvSpPr>
+        <p:spPr>
+          <a:ln>
+            <a:miter lim="800000"/>
+          </a:ln>
+        </p:spPr>
+      </p:sp>
+      <p:sp>
+        <p:nvSpPr>
+          <p:cNvPr id="41987" name="备注占位符 2"/>
+          <p:cNvSpPr>
+            <a:spLocks noGrp="1" noChangeArrowheads="1"/>
+          </p:cNvSpPr>
+          <p:nvPr>
+            <p:ph type="body" idx="4294967295"/>
+          </p:nvPr>
+        </p:nvSpPr>
+        <p:spPr/>
+        <p:txBody>
+          <a:bodyPr/>
+          <a:lstStyle/>
+          <a:p>
+            <a:pPr eaLnBrk="1" hangingPunct="1"/>
+            <a:endParaRPr lang="zh-CN" altLang="en-US" dirty="0" smtClean="0"/>
+          </a:p>
+        </p:txBody>
+      </p:sp>
+      <p:sp>
+        <p:nvSpPr>
+          <p:cNvPr id="41988" name="灯片编号占位符 3"/>
+          <p:cNvSpPr>
+            <a:spLocks noGrp="1" noChangeArrowheads="1"/>
+          </p:cNvSpPr>
+          <p:nvPr>
+            <p:ph type="sldNum" sz="quarter" idx="5"/>
+          </p:nvPr>
+        </p:nvSpPr>
+        <p:spPr bwMode="auto">
+          <a:noFill/>
+          <a:extLst>
+            <a:ext uri="{909E8E84-426E-40DD-AFC4-6F175D3DCCD1}">
+              <a14:hiddenFill xmlns:a14="http://schemas.microsoft.com/office/drawing/2010/main">
+                <a:solidFill>
+                  <a:srgbClr val="FFFFFF"/>
+                </a:solidFill>
+              </a14:hiddenFill>
+            </a:ext>
+            <a:ext uri="{91240B29-F687-4F45-9708-019B960494DF}">
+              <a14:hiddenLine xmlns:a14="http://schemas.microsoft.com/office/drawing/2010/main" w="9525">
+                <a:solidFill>
+                  <a:srgbClr val="000000"/>
+                </a:solidFill>
+                <a:miter lim="800000"/>
+                <a:headEnd/>
+                <a:tailEnd/>
+              </a14:hiddenLine>
+            </a:ext>
+          </a:extLst>
+        </p:spPr>
+        <p:txBody>
+          <a:bodyPr/>
+          <a:lstStyle>
+            <a:lvl1pPr>
+              <a:defRPr>
+                <a:solidFill>
+                  <a:schemeClr val="tx1"/>
+                </a:solidFill>
+                <a:latin typeface="Calibri" panose="020F0502020204030204" pitchFamily="34" charset="0"/>
+                <a:ea typeface="宋体" panose="02010600030101010101" pitchFamily="2" charset="-122"/>
+              </a:defRPr>
+            </a:lvl1pPr>
+            <a:lvl2pPr marL="742950" indent="-285750">
+              <a:defRPr>
+                <a:solidFill>
+                  <a:schemeClr val="tx1"/>
+                </a:solidFill>
+                <a:latin typeface="Calibri" panose="020F0502020204030204" pitchFamily="34" charset="0"/>
+                <a:ea typeface="宋体" panose="02010600030101010101" pitchFamily="2" charset="-122"/>
+              </a:defRPr>
+            </a:lvl2pPr>
+            <a:lvl3pPr marL="1143000" indent="-228600">
+              <a:defRPr>
+                <a:solidFill>
+                  <a:schemeClr val="tx1"/>
+                </a:solidFill>
+                <a:latin typeface="Calibri" panose="020F0502020204030204" pitchFamily="34" charset="0"/>
+                <a:ea typeface="宋体" panose="02010600030101010101" pitchFamily="2" charset="-122"/>
+              </a:defRPr>
+            </a:lvl3pPr>
+            <a:lvl4pPr marL="1600200" indent="-228600">
+              <a:defRPr>
+                <a:solidFill>
+                  <a:schemeClr val="tx1"/>
+                </a:solidFill>
+                <a:latin typeface="Calibri" panose="020F0502020204030204" pitchFamily="34" charset="0"/>
+                <a:ea typeface="宋体" panose="02010600030101010101" pitchFamily="2" charset="-122"/>
+              </a:defRPr>
+            </a:lvl4pPr>
+            <a:lvl5pPr marL="2057400" indent="-228600">
+              <a:defRPr>
+                <a:solidFill>
+                  <a:schemeClr val="tx1"/>
+                </a:solidFill>
+                <a:latin typeface="Calibri" panose="020F0502020204030204" pitchFamily="34" charset="0"/>
+                <a:ea typeface="宋体" panose="02010600030101010101" pitchFamily="2" charset="-122"/>
+              </a:defRPr>
+            </a:lvl5pPr>
+            <a:lvl6pPr marL="2514600" indent="-228600" eaLnBrk="0" fontAlgn="base" hangingPunct="0">
+              <a:spcBef>
+                <a:spcPct val="0"/>
+              </a:spcBef>
+              <a:spcAft>
+                <a:spcPct val="0"/>
+              </a:spcAft>
+              <a:defRPr>
+                <a:solidFill>
+                  <a:schemeClr val="tx1"/>
+                </a:solidFill>
+                <a:latin typeface="Calibri" panose="020F0502020204030204" pitchFamily="34" charset="0"/>
+                <a:ea typeface="宋体" panose="02010600030101010101" pitchFamily="2" charset="-122"/>
+              </a:defRPr>
+            </a:lvl6pPr>
+            <a:lvl7pPr marL="2971800" indent="-228600" eaLnBrk="0" fontAlgn="base" hangingPunct="0">
+              <a:spcBef>
+                <a:spcPct val="0"/>
+              </a:spcBef>
+              <a:spcAft>
+                <a:spcPct val="0"/>
+              </a:spcAft>
+              <a:defRPr>
+                <a:solidFill>
+                  <a:schemeClr val="tx1"/>
+                </a:solidFill>
+                <a:latin typeface="Calibri" panose="020F0502020204030204" pitchFamily="34" charset="0"/>
+                <a:ea typeface="宋体" panose="02010600030101010101" pitchFamily="2" charset="-122"/>
+              </a:defRPr>
+            </a:lvl7pPr>
+            <a:lvl8pPr marL="3429000" indent="-228600" eaLnBrk="0" fontAlgn="base" hangingPunct="0">
+              <a:spcBef>
+                <a:spcPct val="0"/>
+              </a:spcBef>
+              <a:spcAft>
+                <a:spcPct val="0"/>
+              </a:spcAft>
+              <a:defRPr>
+                <a:solidFill>
+                  <a:schemeClr val="tx1"/>
+                </a:solidFill>
+                <a:latin typeface="Calibri" panose="020F0502020204030204" pitchFamily="34" charset="0"/>
+                <a:ea typeface="宋体" panose="02010600030101010101" pitchFamily="2" charset="-122"/>
+              </a:defRPr>
+            </a:lvl8pPr>
+            <a:lvl9pPr marL="3886200" indent="-228600" eaLnBrk="0" fontAlgn="base" hangingPunct="0">
+              <a:spcBef>
+                <a:spcPct val="0"/>
+              </a:spcBef>
+              <a:spcAft>
+                <a:spcPct val="0"/>
+              </a:spcAft>
+              <a:defRPr>
+                <a:solidFill>
+                  <a:schemeClr val="tx1"/>
+                </a:solidFill>
+                <a:latin typeface="Calibri" panose="020F0502020204030204" pitchFamily="34" charset="0"/>
+                <a:ea typeface="宋体" panose="02010600030101010101" pitchFamily="2" charset="-122"/>
+              </a:defRPr>
+            </a:lvl9pPr>
+          </a:lstStyle>
+          <a:p>
+            <a:fld id="{63294C6E-E21D-4BA3-81A6-94F04B7B38F3}" type="slidenum">
+              <a:rPr altLang="en-US"/>
+              <a:t>8</a:t>
+            </a:fld>
+            <a:endParaRPr lang="zh-CN" altLang="en-US"/>
+          </a:p>
+        </p:txBody>
+      </p:sp>
+    </p:spTree>
+    <p:extLst>
+      <p:ext uri="{BB962C8B-B14F-4D97-AF65-F5344CB8AC3E}">
+        <p14:creationId xmlns:p14="http://schemas.microsoft.com/office/powerpoint/2010/main" val="243878541"/>
+      </p:ext>
+    </p:extLst>
+  </p:cSld>
+  <p:clrMapOvr>
+    <a:masterClrMapping/>
+  </p:clrMapOvr>
+</p:notes>
+</file>
+
+<file path=ppt/notesSlides/notesSlide9.xml><?xml version="1.0" encoding="utf-8"?>
+<p:notes xmlns:a="http://schemas.openxmlformats.org/drawingml/2006/main" xmlns:r="http://schemas.openxmlformats.org/officeDocument/2006/relationships" xmlns:p="http://schemas.openxmlformats.org/presentationml/2006/main">
+  <p:cSld>
+    <p:spTree>
+      <p:nvGrpSpPr>
+        <p:cNvPr id="1" name=""/>
+        <p:cNvGrpSpPr/>
+        <p:nvPr/>
+      </p:nvGrpSpPr>
+      <p:grpSpPr>
+        <a:xfrm>
+          <a:off x="0" y="0"/>
+          <a:ext cx="0" cy="0"/>
+          <a:chOff x="0" y="0"/>
+          <a:chExt cx="0" cy="0"/>
+        </a:xfrm>
+      </p:grpSpPr>
+      <p:sp>
+        <p:nvSpPr>
+          <p:cNvPr id="66562" name="幻灯片图像占位符 1"/>
+          <p:cNvSpPr>
+            <a:spLocks noGrp="1" noRot="1" noChangeAspect="1" noChangeArrowheads="1" noTextEdit="1"/>
+          </p:cNvSpPr>
+          <p:nvPr>
+            <p:ph type="sldImg" idx="4294967295"/>
+          </p:nvPr>
+        </p:nvSpPr>
+        <p:spPr>
+          <a:ln>
+            <a:miter lim="800000"/>
+          </a:ln>
+        </p:spPr>
+      </p:sp>
+      <p:sp>
+        <p:nvSpPr>
+          <p:cNvPr id="66563" name="备注占位符 2"/>
+          <p:cNvSpPr>
+            <a:spLocks noGrp="1" noChangeArrowheads="1"/>
+          </p:cNvSpPr>
+          <p:nvPr>
+            <p:ph type="body" idx="4294967295"/>
+          </p:nvPr>
+        </p:nvSpPr>
+        <p:spPr/>
+        <p:txBody>
+          <a:bodyPr/>
+          <a:lstStyle/>
+          <a:p>
+            <a:pPr eaLnBrk="1" hangingPunct="1"/>
+            <a:endParaRPr lang="zh-CN" altLang="en-US" smtClean="0"/>
+          </a:p>
+        </p:txBody>
+      </p:sp>
+      <p:sp>
+        <p:nvSpPr>
+          <p:cNvPr id="66564" name="灯片编号占位符 3"/>
+          <p:cNvSpPr>
+            <a:spLocks noGrp="1" noChangeArrowheads="1"/>
+          </p:cNvSpPr>
+          <p:nvPr>
+            <p:ph type="sldNum" sz="quarter" idx="5"/>
+          </p:nvPr>
+        </p:nvSpPr>
+        <p:spPr bwMode="auto">
+          <a:noFill/>
+          <a:extLst>
+            <a:ext uri="{909E8E84-426E-40DD-AFC4-6F175D3DCCD1}">
+              <a14:hiddenFill xmlns:a14="http://schemas.microsoft.com/office/drawing/2010/main">
+                <a:solidFill>
+                  <a:srgbClr val="FFFFFF"/>
+                </a:solidFill>
+              </a14:hiddenFill>
+            </a:ext>
+            <a:ext uri="{91240B29-F687-4F45-9708-019B960494DF}">
+              <a14:hiddenLine xmlns:a14="http://schemas.microsoft.com/office/drawing/2010/main" w="9525">
+                <a:solidFill>
+                  <a:srgbClr val="000000"/>
+                </a:solidFill>
+                <a:miter lim="800000"/>
+                <a:headEnd/>
+                <a:tailEnd/>
+              </a14:hiddenLine>
+            </a:ext>
+          </a:extLst>
+        </p:spPr>
+        <p:txBody>
+          <a:bodyPr/>
+          <a:lstStyle>
+            <a:lvl1pPr>
+              <a:defRPr>
+                <a:solidFill>
+                  <a:schemeClr val="tx1"/>
+                </a:solidFill>
+                <a:latin typeface="Calibri" panose="020F0502020204030204" pitchFamily="34" charset="0"/>
+                <a:ea typeface="宋体" panose="02010600030101010101" pitchFamily="2" charset="-122"/>
+              </a:defRPr>
+            </a:lvl1pPr>
+            <a:lvl2pPr marL="742950" indent="-285750">
+              <a:defRPr>
+                <a:solidFill>
+                  <a:schemeClr val="tx1"/>
+                </a:solidFill>
+                <a:latin typeface="Calibri" panose="020F0502020204030204" pitchFamily="34" charset="0"/>
+                <a:ea typeface="宋体" panose="02010600030101010101" pitchFamily="2" charset="-122"/>
+              </a:defRPr>
+            </a:lvl2pPr>
+            <a:lvl3pPr marL="1143000" indent="-228600">
+              <a:defRPr>
+                <a:solidFill>
+                  <a:schemeClr val="tx1"/>
+                </a:solidFill>
+                <a:latin typeface="Calibri" panose="020F0502020204030204" pitchFamily="34" charset="0"/>
+                <a:ea typeface="宋体" panose="02010600030101010101" pitchFamily="2" charset="-122"/>
+              </a:defRPr>
+            </a:lvl3pPr>
+            <a:lvl4pPr marL="1600200" indent="-228600">
+              <a:defRPr>
+                <a:solidFill>
+                  <a:schemeClr val="tx1"/>
+                </a:solidFill>
+                <a:latin typeface="Calibri" panose="020F0502020204030204" pitchFamily="34" charset="0"/>
+                <a:ea typeface="宋体" panose="02010600030101010101" pitchFamily="2" charset="-122"/>
+              </a:defRPr>
+            </a:lvl4pPr>
+            <a:lvl5pPr marL="2057400" indent="-228600">
+              <a:defRPr>
+                <a:solidFill>
+                  <a:schemeClr val="tx1"/>
+                </a:solidFill>
+                <a:latin typeface="Calibri" panose="020F0502020204030204" pitchFamily="34" charset="0"/>
+                <a:ea typeface="宋体" panose="02010600030101010101" pitchFamily="2" charset="-122"/>
+              </a:defRPr>
+            </a:lvl5pPr>
+            <a:lvl6pPr marL="2514600" indent="-228600" eaLnBrk="0" fontAlgn="base" hangingPunct="0">
+              <a:spcBef>
+                <a:spcPct val="0"/>
+              </a:spcBef>
+              <a:spcAft>
+                <a:spcPct val="0"/>
+              </a:spcAft>
+              <a:defRPr>
+                <a:solidFill>
+                  <a:schemeClr val="tx1"/>
+                </a:solidFill>
+                <a:latin typeface="Calibri" panose="020F0502020204030204" pitchFamily="34" charset="0"/>
+                <a:ea typeface="宋体" panose="02010600030101010101" pitchFamily="2" charset="-122"/>
+              </a:defRPr>
+            </a:lvl6pPr>
+            <a:lvl7pPr marL="2971800" indent="-228600" eaLnBrk="0" fontAlgn="base" hangingPunct="0">
+              <a:spcBef>
+                <a:spcPct val="0"/>
+              </a:spcBef>
+              <a:spcAft>
+                <a:spcPct val="0"/>
+              </a:spcAft>
+              <a:defRPr>
+                <a:solidFill>
+                  <a:schemeClr val="tx1"/>
+                </a:solidFill>
+                <a:latin typeface="Calibri" panose="020F0502020204030204" pitchFamily="34" charset="0"/>
+                <a:ea typeface="宋体" panose="02010600030101010101" pitchFamily="2" charset="-122"/>
+              </a:defRPr>
+            </a:lvl7pPr>
+            <a:lvl8pPr marL="3429000" indent="-228600" eaLnBrk="0" fontAlgn="base" hangingPunct="0">
+              <a:spcBef>
+                <a:spcPct val="0"/>
+              </a:spcBef>
+              <a:spcAft>
+                <a:spcPct val="0"/>
+              </a:spcAft>
+              <a:defRPr>
+                <a:solidFill>
+                  <a:schemeClr val="tx1"/>
+                </a:solidFill>
+                <a:latin typeface="Calibri" panose="020F0502020204030204" pitchFamily="34" charset="0"/>
+                <a:ea typeface="宋体" panose="02010600030101010101" pitchFamily="2" charset="-122"/>
+              </a:defRPr>
+            </a:lvl8pPr>
+            <a:lvl9pPr marL="3886200" indent="-228600" eaLnBrk="0" fontAlgn="base" hangingPunct="0">
+              <a:spcBef>
+                <a:spcPct val="0"/>
+              </a:spcBef>
+              <a:spcAft>
+                <a:spcPct val="0"/>
+              </a:spcAft>
+              <a:defRPr>
+                <a:solidFill>
+                  <a:schemeClr val="tx1"/>
+                </a:solidFill>
+                <a:latin typeface="Calibri" panose="020F0502020204030204" pitchFamily="34" charset="0"/>
+                <a:ea typeface="宋体" panose="02010600030101010101" pitchFamily="2" charset="-122"/>
+              </a:defRPr>
+            </a:lvl9pPr>
+          </a:lstStyle>
+          <a:p>
             <a:fld id="{0B376FF8-FADE-450E-B91E-D8D1F988BE74}" type="slidenum">
               <a:rPr altLang="en-US"/>
-              <a:t>6</a:t>
+              <a:t>9</a:t>
             </a:fld>
             <a:endParaRPr lang="zh-CN" altLang="en-US"/>
           </a:p>
@@ -6207,19 +6858,7 @@
             </a:pPr>
             <a:r>
               <a:rPr kumimoji="1" lang="zh-CN" altLang="en-US" dirty="0" smtClean="0"/>
-              <a:t>每个</a:t>
-            </a:r>
-            <a:r>
-              <a:rPr kumimoji="1" lang="zh-CN" altLang="en-US" dirty="0" smtClean="0"/>
-              <a:t>团队调用</a:t>
-            </a:r>
-            <a:r>
-              <a:rPr kumimoji="1" lang="zh-CN" altLang="en-US" dirty="0" smtClean="0"/>
-              <a:t>短信</a:t>
-            </a:r>
-            <a:r>
-              <a:rPr kumimoji="1" lang="zh-CN" altLang="en-US" dirty="0" smtClean="0"/>
-              <a:t>服务</a:t>
+              <a:t>每个团队调用短信服务</a:t>
             </a:r>
             <a:endParaRPr kumimoji="1" lang="en-US" altLang="zh-CN" dirty="0" smtClean="0"/>
           </a:p>
@@ -6230,11 +6869,7 @@
             </a:pPr>
             <a:r>
               <a:rPr kumimoji="1" lang="zh-CN" altLang="en-US" dirty="0" smtClean="0"/>
-              <a:t>人员</a:t>
-            </a:r>
-            <a:r>
-              <a:rPr kumimoji="1" lang="zh-CN" altLang="en-US" dirty="0" smtClean="0"/>
-              <a:t>成本问题</a:t>
+              <a:t>人员成本问题</a:t>
             </a:r>
             <a:endParaRPr kumimoji="1" lang="en-US" altLang="zh-CN" dirty="0" smtClean="0"/>
           </a:p>
@@ -6256,19 +6891,7 @@
             </a:pPr>
             <a:r>
               <a:rPr kumimoji="1" lang="zh-CN" altLang="en-US" dirty="0" smtClean="0"/>
-              <a:t>短信渠道</a:t>
-            </a:r>
-            <a:r>
-              <a:rPr kumimoji="1" lang="zh-CN" altLang="en-US" dirty="0" smtClean="0"/>
-              <a:t>可用</a:t>
-            </a:r>
-            <a:r>
-              <a:rPr kumimoji="1" lang="zh-CN" altLang="en-US" dirty="0" smtClean="0"/>
-              <a:t>性，</a:t>
-            </a:r>
-            <a:r>
-              <a:rPr kumimoji="1" lang="zh-CN" altLang="en-US" dirty="0" smtClean="0"/>
-              <a:t>沟通成本</a:t>
+              <a:t>短信渠道可用性，沟通成本</a:t>
             </a:r>
             <a:endParaRPr kumimoji="1" lang="zh-CN" altLang="en-US" dirty="0"/>
           </a:p>
@@ -7032,17 +7655,7 @@
                 <a:latin typeface="微软雅黑" panose="020B0503020204020204" pitchFamily="34" charset="-122"/>
                 <a:ea typeface="微软雅黑" panose="020B0503020204020204" pitchFamily="34" charset="-122"/>
               </a:rPr>
-              <a:t>短信</a:t>
-            </a:r>
-            <a:r>
-              <a:rPr lang="zh-CN" altLang="en-US" sz="2000" b="1" dirty="0" smtClean="0">
-                <a:solidFill>
-                  <a:schemeClr val="accent1"/>
-                </a:solidFill>
-                <a:latin typeface="微软雅黑" panose="020B0503020204020204" pitchFamily="34" charset="-122"/>
-                <a:ea typeface="微软雅黑" panose="020B0503020204020204" pitchFamily="34" charset="-122"/>
-              </a:rPr>
-              <a:t>平台</a:t>
+              <a:t>短信平台</a:t>
             </a:r>
             <a:r>
               <a:rPr lang="en-US" altLang="zh-CN" sz="2000" b="1" dirty="0" err="1" smtClean="0">
@@ -7181,6 +7794,1311 @@
 </file>
 
 <file path=ppt/slides/slide6.xml><?xml version="1.0" encoding="utf-8"?>
+<p:sld xmlns:a="http://schemas.openxmlformats.org/drawingml/2006/main" xmlns:r="http://schemas.openxmlformats.org/officeDocument/2006/relationships" xmlns:p="http://schemas.openxmlformats.org/presentationml/2006/main">
+  <p:cSld>
+    <p:spTree>
+      <p:nvGrpSpPr>
+        <p:cNvPr id="1" name=""/>
+        <p:cNvGrpSpPr/>
+        <p:nvPr/>
+      </p:nvGrpSpPr>
+      <p:grpSpPr>
+        <a:xfrm>
+          <a:off x="0" y="0"/>
+          <a:ext cx="0" cy="0"/>
+          <a:chOff x="0" y="0"/>
+          <a:chExt cx="0" cy="0"/>
+        </a:xfrm>
+      </p:grpSpPr>
+      <p:sp>
+        <p:nvSpPr>
+          <p:cNvPr id="9218" name="TextBox 41"/>
+          <p:cNvSpPr txBox="1">
+            <a:spLocks noChangeArrowheads="1"/>
+          </p:cNvSpPr>
+          <p:nvPr/>
+        </p:nvSpPr>
+        <p:spPr bwMode="auto">
+          <a:xfrm>
+            <a:off x="355600" y="206374"/>
+            <a:ext cx="5440536" cy="400110"/>
+          </a:xfrm>
+          <a:prstGeom prst="rect">
+            <a:avLst/>
+          </a:prstGeom>
+          <a:noFill/>
+          <a:ln>
+            <a:noFill/>
+          </a:ln>
+          <a:extLst>
+            <a:ext uri="{909E8E84-426E-40DD-AFC4-6F175D3DCCD1}">
+              <a14:hiddenFill xmlns:a14="http://schemas.microsoft.com/office/drawing/2010/main">
+                <a:solidFill>
+                  <a:srgbClr val="FFFFFF"/>
+                </a:solidFill>
+              </a14:hiddenFill>
+            </a:ext>
+            <a:ext uri="{91240B29-F687-4F45-9708-019B960494DF}">
+              <a14:hiddenLine xmlns:a14="http://schemas.microsoft.com/office/drawing/2010/main" w="9525">
+                <a:solidFill>
+                  <a:srgbClr val="000000"/>
+                </a:solidFill>
+                <a:miter lim="800000"/>
+                <a:headEnd/>
+                <a:tailEnd/>
+              </a14:hiddenLine>
+            </a:ext>
+          </a:extLst>
+        </p:spPr>
+        <p:txBody>
+          <a:bodyPr wrap="square">
+            <a:spAutoFit/>
+          </a:bodyPr>
+          <a:lstStyle>
+            <a:lvl1pPr>
+              <a:defRPr>
+                <a:solidFill>
+                  <a:schemeClr val="tx1"/>
+                </a:solidFill>
+                <a:latin typeface="Calibri" panose="020F0502020204030204" pitchFamily="34" charset="0"/>
+                <a:ea typeface="宋体" panose="02010600030101010101" pitchFamily="2" charset="-122"/>
+              </a:defRPr>
+            </a:lvl1pPr>
+            <a:lvl2pPr marL="742950" indent="-285750">
+              <a:defRPr>
+                <a:solidFill>
+                  <a:schemeClr val="tx1"/>
+                </a:solidFill>
+                <a:latin typeface="Calibri" panose="020F0502020204030204" pitchFamily="34" charset="0"/>
+                <a:ea typeface="宋体" panose="02010600030101010101" pitchFamily="2" charset="-122"/>
+              </a:defRPr>
+            </a:lvl2pPr>
+            <a:lvl3pPr marL="1143000" indent="-228600">
+              <a:defRPr>
+                <a:solidFill>
+                  <a:schemeClr val="tx1"/>
+                </a:solidFill>
+                <a:latin typeface="Calibri" panose="020F0502020204030204" pitchFamily="34" charset="0"/>
+                <a:ea typeface="宋体" panose="02010600030101010101" pitchFamily="2" charset="-122"/>
+              </a:defRPr>
+            </a:lvl3pPr>
+            <a:lvl4pPr marL="1600200" indent="-228600">
+              <a:defRPr>
+                <a:solidFill>
+                  <a:schemeClr val="tx1"/>
+                </a:solidFill>
+                <a:latin typeface="Calibri" panose="020F0502020204030204" pitchFamily="34" charset="0"/>
+                <a:ea typeface="宋体" panose="02010600030101010101" pitchFamily="2" charset="-122"/>
+              </a:defRPr>
+            </a:lvl4pPr>
+            <a:lvl5pPr marL="2057400" indent="-228600">
+              <a:defRPr>
+                <a:solidFill>
+                  <a:schemeClr val="tx1"/>
+                </a:solidFill>
+                <a:latin typeface="Calibri" panose="020F0502020204030204" pitchFamily="34" charset="0"/>
+                <a:ea typeface="宋体" panose="02010600030101010101" pitchFamily="2" charset="-122"/>
+              </a:defRPr>
+            </a:lvl5pPr>
+            <a:lvl6pPr marL="2514600" indent="-228600" eaLnBrk="0" fontAlgn="base" hangingPunct="0">
+              <a:spcBef>
+                <a:spcPct val="0"/>
+              </a:spcBef>
+              <a:spcAft>
+                <a:spcPct val="0"/>
+              </a:spcAft>
+              <a:defRPr>
+                <a:solidFill>
+                  <a:schemeClr val="tx1"/>
+                </a:solidFill>
+                <a:latin typeface="Calibri" panose="020F0502020204030204" pitchFamily="34" charset="0"/>
+                <a:ea typeface="宋体" panose="02010600030101010101" pitchFamily="2" charset="-122"/>
+              </a:defRPr>
+            </a:lvl6pPr>
+            <a:lvl7pPr marL="2971800" indent="-228600" eaLnBrk="0" fontAlgn="base" hangingPunct="0">
+              <a:spcBef>
+                <a:spcPct val="0"/>
+              </a:spcBef>
+              <a:spcAft>
+                <a:spcPct val="0"/>
+              </a:spcAft>
+              <a:defRPr>
+                <a:solidFill>
+                  <a:schemeClr val="tx1"/>
+                </a:solidFill>
+                <a:latin typeface="Calibri" panose="020F0502020204030204" pitchFamily="34" charset="0"/>
+                <a:ea typeface="宋体" panose="02010600030101010101" pitchFamily="2" charset="-122"/>
+              </a:defRPr>
+            </a:lvl7pPr>
+            <a:lvl8pPr marL="3429000" indent="-228600" eaLnBrk="0" fontAlgn="base" hangingPunct="0">
+              <a:spcBef>
+                <a:spcPct val="0"/>
+              </a:spcBef>
+              <a:spcAft>
+                <a:spcPct val="0"/>
+              </a:spcAft>
+              <a:defRPr>
+                <a:solidFill>
+                  <a:schemeClr val="tx1"/>
+                </a:solidFill>
+                <a:latin typeface="Calibri" panose="020F0502020204030204" pitchFamily="34" charset="0"/>
+                <a:ea typeface="宋体" panose="02010600030101010101" pitchFamily="2" charset="-122"/>
+              </a:defRPr>
+            </a:lvl8pPr>
+            <a:lvl9pPr marL="3886200" indent="-228600" eaLnBrk="0" fontAlgn="base" hangingPunct="0">
+              <a:spcBef>
+                <a:spcPct val="0"/>
+              </a:spcBef>
+              <a:spcAft>
+                <a:spcPct val="0"/>
+              </a:spcAft>
+              <a:defRPr>
+                <a:solidFill>
+                  <a:schemeClr val="tx1"/>
+                </a:solidFill>
+                <a:latin typeface="Calibri" panose="020F0502020204030204" pitchFamily="34" charset="0"/>
+                <a:ea typeface="宋体" panose="02010600030101010101" pitchFamily="2" charset="-122"/>
+              </a:defRPr>
+            </a:lvl9pPr>
+          </a:lstStyle>
+          <a:p>
+            <a:pPr eaLnBrk="1" hangingPunct="1"/>
+            <a:r>
+              <a:rPr lang="zh-CN" altLang="en-US" sz="2000" b="1" dirty="0" smtClean="0">
+                <a:solidFill>
+                  <a:schemeClr val="accent1"/>
+                </a:solidFill>
+                <a:latin typeface="微软雅黑" panose="020B0503020204020204" pitchFamily="34" charset="-122"/>
+                <a:ea typeface="微软雅黑" panose="020B0503020204020204" pitchFamily="34" charset="-122"/>
+              </a:rPr>
+              <a:t>短信平台</a:t>
+            </a:r>
+            <a:r>
+              <a:rPr lang="en-US" altLang="zh-CN" sz="2000" b="1" dirty="0" err="1" smtClean="0">
+                <a:solidFill>
+                  <a:schemeClr val="accent1"/>
+                </a:solidFill>
+                <a:latin typeface="微软雅黑" panose="020B0503020204020204" pitchFamily="34" charset="-122"/>
+                <a:ea typeface="微软雅黑" panose="020B0503020204020204" pitchFamily="34" charset="-122"/>
+              </a:rPr>
+              <a:t>sdk</a:t>
+            </a:r>
+            <a:r>
+              <a:rPr lang="zh-CN" altLang="en-US" sz="2000" b="1" dirty="0" smtClean="0">
+                <a:solidFill>
+                  <a:schemeClr val="accent1"/>
+                </a:solidFill>
+                <a:latin typeface="微软雅黑" panose="020B0503020204020204" pitchFamily="34" charset="-122"/>
+                <a:ea typeface="微软雅黑" panose="020B0503020204020204" pitchFamily="34" charset="-122"/>
+              </a:rPr>
+              <a:t>协议设计</a:t>
+            </a:r>
+            <a:endParaRPr lang="zh-CN" altLang="en-US" sz="2000" b="1" dirty="0">
+              <a:solidFill>
+                <a:schemeClr val="accent1"/>
+              </a:solidFill>
+              <a:latin typeface="微软雅黑" panose="020B0503020204020204" pitchFamily="34" charset="-122"/>
+              <a:ea typeface="微软雅黑" panose="020B0503020204020204" pitchFamily="34" charset="-122"/>
+            </a:endParaRPr>
+          </a:p>
+        </p:txBody>
+      </p:sp>
+      <p:graphicFrame>
+        <p:nvGraphicFramePr>
+          <p:cNvPr id="2" name="表格 1"/>
+          <p:cNvGraphicFramePr>
+            <a:graphicFrameLocks noGrp="1"/>
+          </p:cNvGraphicFramePr>
+          <p:nvPr>
+            <p:extLst>
+              <p:ext uri="{D42A27DB-BD31-4B8C-83A1-F6EECF244321}">
+                <p14:modId xmlns:p14="http://schemas.microsoft.com/office/powerpoint/2010/main" val="101107010"/>
+              </p:ext>
+            </p:extLst>
+          </p:nvPr>
+        </p:nvGraphicFramePr>
+        <p:xfrm>
+          <a:off x="467544" y="699543"/>
+          <a:ext cx="7056784" cy="1113317"/>
+        </p:xfrm>
+        <a:graphic>
+          <a:graphicData uri="http://schemas.openxmlformats.org/drawingml/2006/table">
+            <a:tbl>
+              <a:tblPr firstRow="1" firstCol="1" bandRow="1">
+                <a:tableStyleId>{5C22544A-7EE6-4342-B048-85BDC9FD1C3A}</a:tableStyleId>
+              </a:tblPr>
+              <a:tblGrid>
+                <a:gridCol w="1330303"/>
+                <a:gridCol w="5726481"/>
+              </a:tblGrid>
+              <a:tr h="198917">
+                <a:tc>
+                  <a:txBody>
+                    <a:bodyPr/>
+                    <a:lstStyle/>
+                    <a:p>
+                      <a:pPr indent="266700">
+                        <a:spcAft>
+                          <a:spcPts val="0"/>
+                        </a:spcAft>
+                      </a:pPr>
+                      <a:r>
+                        <a:rPr lang="zh-CN" sz="1200" kern="100" dirty="0">
+                          <a:effectLst/>
+                        </a:rPr>
+                        <a:t>参数</a:t>
+                      </a:r>
+                      <a:endParaRPr lang="zh-CN" sz="1200" kern="100" dirty="0">
+                        <a:effectLst/>
+                        <a:latin typeface="Times New Roman" charset="0"/>
+                        <a:ea typeface="DengXian" charset="-122"/>
+                      </a:endParaRPr>
+                    </a:p>
+                  </a:txBody>
+                  <a:tcPr marL="68580" marR="68580" marT="0" marB="0"/>
+                </a:tc>
+                <a:tc>
+                  <a:txBody>
+                    <a:bodyPr/>
+                    <a:lstStyle/>
+                    <a:p>
+                      <a:pPr indent="266700">
+                        <a:spcAft>
+                          <a:spcPts val="0"/>
+                        </a:spcAft>
+                      </a:pPr>
+                      <a:r>
+                        <a:rPr lang="zh-CN" sz="1200" kern="100">
+                          <a:effectLst/>
+                        </a:rPr>
+                        <a:t>参数说明</a:t>
+                      </a:r>
+                      <a:endParaRPr lang="zh-CN" sz="1200" kern="100">
+                        <a:effectLst/>
+                        <a:latin typeface="Times New Roman" charset="0"/>
+                        <a:ea typeface="DengXian" charset="-122"/>
+                      </a:endParaRPr>
+                    </a:p>
+                  </a:txBody>
+                  <a:tcPr marL="68580" marR="68580" marT="0" marB="0"/>
+                </a:tc>
+              </a:tr>
+              <a:tr h="176241">
+                <a:tc>
+                  <a:txBody>
+                    <a:bodyPr/>
+                    <a:lstStyle/>
+                    <a:p>
+                      <a:pPr>
+                        <a:spcAft>
+                          <a:spcPts val="0"/>
+                        </a:spcAft>
+                        <a:tabLst>
+                          <a:tab pos="581660" algn="l"/>
+                          <a:tab pos="1163320" algn="l"/>
+                          <a:tab pos="1744980" algn="l"/>
+                          <a:tab pos="2326640" algn="l"/>
+                          <a:tab pos="2908300" algn="l"/>
+                          <a:tab pos="3489960" algn="l"/>
+                          <a:tab pos="4071620" algn="l"/>
+                          <a:tab pos="4653280" algn="l"/>
+                          <a:tab pos="5234940" algn="l"/>
+                          <a:tab pos="5816600" algn="l"/>
+                          <a:tab pos="6398260" algn="l"/>
+                          <a:tab pos="6979920" algn="l"/>
+                          <a:tab pos="7561580" algn="l"/>
+                          <a:tab pos="8143240" algn="l"/>
+                          <a:tab pos="8724900" algn="l"/>
+                          <a:tab pos="9306560" algn="l"/>
+                        </a:tabLst>
+                      </a:pPr>
+                      <a:r>
+                        <a:rPr lang="en-US" sz="900" kern="100">
+                          <a:effectLst/>
+                        </a:rPr>
+                        <a:t>appKey</a:t>
+                      </a:r>
+                      <a:endParaRPr lang="zh-CN" sz="1200" kern="100">
+                        <a:effectLst/>
+                        <a:latin typeface="Times New Roman" charset="0"/>
+                        <a:ea typeface="DengXian" charset="-122"/>
+                      </a:endParaRPr>
+                    </a:p>
+                  </a:txBody>
+                  <a:tcPr marL="68580" marR="68580" marT="0" marB="0"/>
+                </a:tc>
+                <a:tc>
+                  <a:txBody>
+                    <a:bodyPr/>
+                    <a:lstStyle/>
+                    <a:p>
+                      <a:pPr indent="266700">
+                        <a:spcAft>
+                          <a:spcPts val="0"/>
+                        </a:spcAft>
+                      </a:pPr>
+                      <a:r>
+                        <a:rPr lang="zh-CN" sz="1200" kern="100">
+                          <a:effectLst/>
+                        </a:rPr>
+                        <a:t>应用</a:t>
+                      </a:r>
+                      <a:r>
+                        <a:rPr lang="en-US" sz="1200" kern="100">
+                          <a:effectLst/>
+                        </a:rPr>
+                        <a:t>key(</a:t>
+                      </a:r>
+                      <a:r>
+                        <a:rPr lang="zh-CN" sz="1200" kern="100">
+                          <a:effectLst/>
+                        </a:rPr>
+                        <a:t>每个应用唯一</a:t>
+                      </a:r>
+                      <a:r>
+                        <a:rPr lang="en-US" sz="1200" kern="100">
+                          <a:effectLst/>
+                        </a:rPr>
+                        <a:t>)</a:t>
+                      </a:r>
+                      <a:endParaRPr lang="zh-CN" sz="1200" kern="100">
+                        <a:effectLst/>
+                        <a:latin typeface="Times New Roman" charset="0"/>
+                        <a:ea typeface="DengXian" charset="-122"/>
+                      </a:endParaRPr>
+                    </a:p>
+                  </a:txBody>
+                  <a:tcPr marL="68580" marR="68580" marT="0" marB="0"/>
+                </a:tc>
+              </a:tr>
+              <a:tr h="176241">
+                <a:tc>
+                  <a:txBody>
+                    <a:bodyPr/>
+                    <a:lstStyle/>
+                    <a:p>
+                      <a:pPr>
+                        <a:spcAft>
+                          <a:spcPts val="0"/>
+                        </a:spcAft>
+                        <a:tabLst>
+                          <a:tab pos="581660" algn="l"/>
+                          <a:tab pos="1163320" algn="l"/>
+                          <a:tab pos="1744980" algn="l"/>
+                          <a:tab pos="2326640" algn="l"/>
+                          <a:tab pos="2908300" algn="l"/>
+                          <a:tab pos="3489960" algn="l"/>
+                          <a:tab pos="4071620" algn="l"/>
+                          <a:tab pos="4653280" algn="l"/>
+                          <a:tab pos="5234940" algn="l"/>
+                          <a:tab pos="5816600" algn="l"/>
+                          <a:tab pos="6398260" algn="l"/>
+                          <a:tab pos="6979920" algn="l"/>
+                          <a:tab pos="7561580" algn="l"/>
+                          <a:tab pos="8143240" algn="l"/>
+                          <a:tab pos="8724900" algn="l"/>
+                          <a:tab pos="9306560" algn="l"/>
+                        </a:tabLst>
+                      </a:pPr>
+                      <a:r>
+                        <a:rPr lang="en-US" sz="900" kern="100" dirty="0">
+                          <a:effectLst/>
+                        </a:rPr>
+                        <a:t>random</a:t>
+                      </a:r>
+                      <a:endParaRPr lang="zh-CN" sz="1200" kern="100" dirty="0">
+                        <a:effectLst/>
+                        <a:latin typeface="Times New Roman" charset="0"/>
+                        <a:ea typeface="DengXian" charset="-122"/>
+                      </a:endParaRPr>
+                    </a:p>
+                  </a:txBody>
+                  <a:tcPr marL="68580" marR="68580" marT="0" marB="0"/>
+                </a:tc>
+                <a:tc>
+                  <a:txBody>
+                    <a:bodyPr/>
+                    <a:lstStyle/>
+                    <a:p>
+                      <a:pPr indent="266700">
+                        <a:spcAft>
+                          <a:spcPts val="0"/>
+                        </a:spcAft>
+                      </a:pPr>
+                      <a:r>
+                        <a:rPr lang="zh-CN" sz="1200" kern="100">
+                          <a:effectLst/>
+                        </a:rPr>
+                        <a:t>随机数</a:t>
+                      </a:r>
+                      <a:endParaRPr lang="zh-CN" sz="1200" kern="100">
+                        <a:effectLst/>
+                        <a:latin typeface="Times New Roman" charset="0"/>
+                        <a:ea typeface="DengXian" charset="-122"/>
+                      </a:endParaRPr>
+                    </a:p>
+                  </a:txBody>
+                  <a:tcPr marL="68580" marR="68580" marT="0" marB="0"/>
+                </a:tc>
+              </a:tr>
+              <a:tr h="176241">
+                <a:tc>
+                  <a:txBody>
+                    <a:bodyPr/>
+                    <a:lstStyle/>
+                    <a:p>
+                      <a:pPr>
+                        <a:spcAft>
+                          <a:spcPts val="0"/>
+                        </a:spcAft>
+                        <a:tabLst>
+                          <a:tab pos="581660" algn="l"/>
+                          <a:tab pos="1163320" algn="l"/>
+                          <a:tab pos="1744980" algn="l"/>
+                          <a:tab pos="2326640" algn="l"/>
+                          <a:tab pos="2908300" algn="l"/>
+                          <a:tab pos="3489960" algn="l"/>
+                          <a:tab pos="4071620" algn="l"/>
+                          <a:tab pos="4653280" algn="l"/>
+                          <a:tab pos="5234940" algn="l"/>
+                          <a:tab pos="5816600" algn="l"/>
+                          <a:tab pos="6398260" algn="l"/>
+                          <a:tab pos="6979920" algn="l"/>
+                          <a:tab pos="7561580" algn="l"/>
+                          <a:tab pos="8143240" algn="l"/>
+                          <a:tab pos="8724900" algn="l"/>
+                          <a:tab pos="9306560" algn="l"/>
+                        </a:tabLst>
+                      </a:pPr>
+                      <a:r>
+                        <a:rPr lang="en-US" sz="900" kern="100">
+                          <a:effectLst/>
+                        </a:rPr>
+                        <a:t>time</a:t>
+                      </a:r>
+                      <a:endParaRPr lang="zh-CN" sz="1200" kern="100">
+                        <a:effectLst/>
+                        <a:latin typeface="Times New Roman" charset="0"/>
+                        <a:ea typeface="DengXian" charset="-122"/>
+                      </a:endParaRPr>
+                    </a:p>
+                  </a:txBody>
+                  <a:tcPr marL="68580" marR="68580" marT="0" marB="0"/>
+                </a:tc>
+                <a:tc>
+                  <a:txBody>
+                    <a:bodyPr/>
+                    <a:lstStyle/>
+                    <a:p>
+                      <a:pPr indent="266700">
+                        <a:spcAft>
+                          <a:spcPts val="0"/>
+                        </a:spcAft>
+                      </a:pPr>
+                      <a:r>
+                        <a:rPr lang="zh-CN" sz="1200" kern="100">
+                          <a:effectLst/>
+                        </a:rPr>
+                        <a:t>当前时间</a:t>
+                      </a:r>
+                      <a:endParaRPr lang="zh-CN" sz="1200" kern="100">
+                        <a:effectLst/>
+                        <a:latin typeface="Times New Roman" charset="0"/>
+                        <a:ea typeface="DengXian" charset="-122"/>
+                      </a:endParaRPr>
+                    </a:p>
+                  </a:txBody>
+                  <a:tcPr marL="68580" marR="68580" marT="0" marB="0"/>
+                </a:tc>
+              </a:tr>
+              <a:tr h="176241">
+                <a:tc>
+                  <a:txBody>
+                    <a:bodyPr/>
+                    <a:lstStyle/>
+                    <a:p>
+                      <a:pPr>
+                        <a:spcAft>
+                          <a:spcPts val="0"/>
+                        </a:spcAft>
+                        <a:tabLst>
+                          <a:tab pos="581660" algn="l"/>
+                          <a:tab pos="1163320" algn="l"/>
+                          <a:tab pos="1744980" algn="l"/>
+                          <a:tab pos="2326640" algn="l"/>
+                          <a:tab pos="2908300" algn="l"/>
+                          <a:tab pos="3489960" algn="l"/>
+                          <a:tab pos="4071620" algn="l"/>
+                          <a:tab pos="4653280" algn="l"/>
+                          <a:tab pos="5234940" algn="l"/>
+                          <a:tab pos="5816600" algn="l"/>
+                          <a:tab pos="6398260" algn="l"/>
+                          <a:tab pos="6979920" algn="l"/>
+                          <a:tab pos="7561580" algn="l"/>
+                          <a:tab pos="8143240" algn="l"/>
+                          <a:tab pos="8724900" algn="l"/>
+                          <a:tab pos="9306560" algn="l"/>
+                        </a:tabLst>
+                      </a:pPr>
+                      <a:r>
+                        <a:rPr lang="en-US" sz="900" kern="100">
+                          <a:effectLst/>
+                        </a:rPr>
+                        <a:t>q</a:t>
+                      </a:r>
+                      <a:endParaRPr lang="zh-CN" sz="1200" kern="100">
+                        <a:effectLst/>
+                        <a:latin typeface="Times New Roman" charset="0"/>
+                        <a:ea typeface="DengXian" charset="-122"/>
+                      </a:endParaRPr>
+                    </a:p>
+                  </a:txBody>
+                  <a:tcPr marL="68580" marR="68580" marT="0" marB="0"/>
+                </a:tc>
+                <a:tc>
+                  <a:txBody>
+                    <a:bodyPr/>
+                    <a:lstStyle/>
+                    <a:p>
+                      <a:pPr indent="266700">
+                        <a:spcAft>
+                          <a:spcPts val="0"/>
+                        </a:spcAft>
+                      </a:pPr>
+                      <a:r>
+                        <a:rPr lang="zh-CN" sz="1200" kern="100">
+                          <a:effectLst/>
+                        </a:rPr>
+                        <a:t>核心请求参数</a:t>
+                      </a:r>
+                      <a:r>
+                        <a:rPr lang="en-US" sz="1200" kern="100">
+                          <a:effectLst/>
+                        </a:rPr>
+                        <a:t>json</a:t>
+                      </a:r>
+                      <a:r>
+                        <a:rPr lang="zh-CN" sz="1200" kern="100">
+                          <a:effectLst/>
+                        </a:rPr>
+                        <a:t>格式</a:t>
+                      </a:r>
+                      <a:endParaRPr lang="zh-CN" sz="1200" kern="100">
+                        <a:effectLst/>
+                        <a:latin typeface="Times New Roman" charset="0"/>
+                        <a:ea typeface="DengXian" charset="-122"/>
+                      </a:endParaRPr>
+                    </a:p>
+                  </a:txBody>
+                  <a:tcPr marL="68580" marR="68580" marT="0" marB="0"/>
+                </a:tc>
+              </a:tr>
+              <a:tr h="176241">
+                <a:tc>
+                  <a:txBody>
+                    <a:bodyPr/>
+                    <a:lstStyle/>
+                    <a:p>
+                      <a:pPr>
+                        <a:spcAft>
+                          <a:spcPts val="0"/>
+                        </a:spcAft>
+                        <a:tabLst>
+                          <a:tab pos="581660" algn="l"/>
+                          <a:tab pos="1163320" algn="l"/>
+                          <a:tab pos="1744980" algn="l"/>
+                          <a:tab pos="2326640" algn="l"/>
+                          <a:tab pos="2908300" algn="l"/>
+                          <a:tab pos="3489960" algn="l"/>
+                          <a:tab pos="4071620" algn="l"/>
+                          <a:tab pos="4653280" algn="l"/>
+                          <a:tab pos="5234940" algn="l"/>
+                          <a:tab pos="5816600" algn="l"/>
+                          <a:tab pos="6398260" algn="l"/>
+                          <a:tab pos="6979920" algn="l"/>
+                          <a:tab pos="7561580" algn="l"/>
+                          <a:tab pos="8143240" algn="l"/>
+                          <a:tab pos="8724900" algn="l"/>
+                          <a:tab pos="9306560" algn="l"/>
+                        </a:tabLst>
+                      </a:pPr>
+                      <a:r>
+                        <a:rPr lang="en-US" sz="900" kern="100">
+                          <a:effectLst/>
+                        </a:rPr>
+                        <a:t>sign</a:t>
+                      </a:r>
+                      <a:endParaRPr lang="zh-CN" sz="1200" kern="100">
+                        <a:effectLst/>
+                        <a:latin typeface="Times New Roman" charset="0"/>
+                        <a:ea typeface="DengXian" charset="-122"/>
+                      </a:endParaRPr>
+                    </a:p>
+                  </a:txBody>
+                  <a:tcPr marL="68580" marR="68580" marT="0" marB="0"/>
+                </a:tc>
+                <a:tc>
+                  <a:txBody>
+                    <a:bodyPr/>
+                    <a:lstStyle/>
+                    <a:p>
+                      <a:pPr indent="266700">
+                        <a:spcAft>
+                          <a:spcPts val="0"/>
+                        </a:spcAft>
+                      </a:pPr>
+                      <a:r>
+                        <a:rPr lang="zh-CN" sz="1200" kern="100" dirty="0">
+                          <a:effectLst/>
+                        </a:rPr>
+                        <a:t>验证签名</a:t>
+                      </a:r>
+                      <a:endParaRPr lang="zh-CN" sz="1200" kern="100" dirty="0">
+                        <a:effectLst/>
+                        <a:latin typeface="Times New Roman" charset="0"/>
+                        <a:ea typeface="DengXian" charset="-122"/>
+                      </a:endParaRPr>
+                    </a:p>
+                  </a:txBody>
+                  <a:tcPr marL="68580" marR="68580" marT="0" marB="0"/>
+                </a:tc>
+              </a:tr>
+            </a:tbl>
+          </a:graphicData>
+        </a:graphic>
+      </p:graphicFrame>
+      <p:pic>
+        <p:nvPicPr>
+          <p:cNvPr id="4" name="图片 3"/>
+          <p:cNvPicPr/>
+          <p:nvPr/>
+        </p:nvPicPr>
+        <p:blipFill>
+          <a:blip r:embed="rId3"/>
+          <a:stretch>
+            <a:fillRect/>
+          </a:stretch>
+        </p:blipFill>
+        <p:spPr>
+          <a:xfrm>
+            <a:off x="487120" y="1905918"/>
+            <a:ext cx="4156888" cy="1673943"/>
+          </a:xfrm>
+          <a:prstGeom prst="rect">
+            <a:avLst/>
+          </a:prstGeom>
+        </p:spPr>
+      </p:pic>
+    </p:spTree>
+    <p:extLst>
+      <p:ext uri="{BB962C8B-B14F-4D97-AF65-F5344CB8AC3E}">
+        <p14:creationId xmlns:p14="http://schemas.microsoft.com/office/powerpoint/2010/main" val="153560891"/>
+      </p:ext>
+    </p:extLst>
+  </p:cSld>
+  <p:clrMapOvr>
+    <a:masterClrMapping/>
+  </p:clrMapOvr>
+  <mc:AlternateContent xmlns:mc="http://schemas.openxmlformats.org/markup-compatibility/2006" xmlns:p14="http://schemas.microsoft.com/office/powerpoint/2010/main">
+    <mc:Choice Requires="p14">
+      <p:transition spd="slow" p14:dur="2000" advClick="0" advTm="3000"/>
+    </mc:Choice>
+    <mc:Fallback xmlns="">
+      <p:transition spd="slow" advClick="0" advTm="3000"/>
+    </mc:Fallback>
+  </mc:AlternateContent>
+  <p:timing>
+    <p:tnLst>
+      <p:par>
+        <p:cTn id="1" dur="indefinite" restart="never" nodeType="tmRoot"/>
+      </p:par>
+    </p:tnLst>
+  </p:timing>
+</p:sld>
+</file>
+
+<file path=ppt/slides/slide7.xml><?xml version="1.0" encoding="utf-8"?>
+<p:sld xmlns:a="http://schemas.openxmlformats.org/drawingml/2006/main" xmlns:r="http://schemas.openxmlformats.org/officeDocument/2006/relationships" xmlns:p="http://schemas.openxmlformats.org/presentationml/2006/main">
+  <p:cSld>
+    <p:spTree>
+      <p:nvGrpSpPr>
+        <p:cNvPr id="1" name=""/>
+        <p:cNvGrpSpPr/>
+        <p:nvPr/>
+      </p:nvGrpSpPr>
+      <p:grpSpPr>
+        <a:xfrm>
+          <a:off x="0" y="0"/>
+          <a:ext cx="0" cy="0"/>
+          <a:chOff x="0" y="0"/>
+          <a:chExt cx="0" cy="0"/>
+        </a:xfrm>
+      </p:grpSpPr>
+      <p:sp>
+        <p:nvSpPr>
+          <p:cNvPr id="9218" name="TextBox 41"/>
+          <p:cNvSpPr txBox="1">
+            <a:spLocks noChangeArrowheads="1"/>
+          </p:cNvSpPr>
+          <p:nvPr/>
+        </p:nvSpPr>
+        <p:spPr bwMode="auto">
+          <a:xfrm>
+            <a:off x="355600" y="206374"/>
+            <a:ext cx="5440536" cy="400110"/>
+          </a:xfrm>
+          <a:prstGeom prst="rect">
+            <a:avLst/>
+          </a:prstGeom>
+          <a:noFill/>
+          <a:ln>
+            <a:noFill/>
+          </a:ln>
+          <a:extLst>
+            <a:ext uri="{909E8E84-426E-40DD-AFC4-6F175D3DCCD1}">
+              <a14:hiddenFill xmlns:a14="http://schemas.microsoft.com/office/drawing/2010/main">
+                <a:solidFill>
+                  <a:srgbClr val="FFFFFF"/>
+                </a:solidFill>
+              </a14:hiddenFill>
+            </a:ext>
+            <a:ext uri="{91240B29-F687-4F45-9708-019B960494DF}">
+              <a14:hiddenLine xmlns:a14="http://schemas.microsoft.com/office/drawing/2010/main" w="9525">
+                <a:solidFill>
+                  <a:srgbClr val="000000"/>
+                </a:solidFill>
+                <a:miter lim="800000"/>
+                <a:headEnd/>
+                <a:tailEnd/>
+              </a14:hiddenLine>
+            </a:ext>
+          </a:extLst>
+        </p:spPr>
+        <p:txBody>
+          <a:bodyPr wrap="square">
+            <a:spAutoFit/>
+          </a:bodyPr>
+          <a:lstStyle>
+            <a:lvl1pPr>
+              <a:defRPr>
+                <a:solidFill>
+                  <a:schemeClr val="tx1"/>
+                </a:solidFill>
+                <a:latin typeface="Calibri" panose="020F0502020204030204" pitchFamily="34" charset="0"/>
+                <a:ea typeface="宋体" panose="02010600030101010101" pitchFamily="2" charset="-122"/>
+              </a:defRPr>
+            </a:lvl1pPr>
+            <a:lvl2pPr marL="742950" indent="-285750">
+              <a:defRPr>
+                <a:solidFill>
+                  <a:schemeClr val="tx1"/>
+                </a:solidFill>
+                <a:latin typeface="Calibri" panose="020F0502020204030204" pitchFamily="34" charset="0"/>
+                <a:ea typeface="宋体" panose="02010600030101010101" pitchFamily="2" charset="-122"/>
+              </a:defRPr>
+            </a:lvl2pPr>
+            <a:lvl3pPr marL="1143000" indent="-228600">
+              <a:defRPr>
+                <a:solidFill>
+                  <a:schemeClr val="tx1"/>
+                </a:solidFill>
+                <a:latin typeface="Calibri" panose="020F0502020204030204" pitchFamily="34" charset="0"/>
+                <a:ea typeface="宋体" panose="02010600030101010101" pitchFamily="2" charset="-122"/>
+              </a:defRPr>
+            </a:lvl3pPr>
+            <a:lvl4pPr marL="1600200" indent="-228600">
+              <a:defRPr>
+                <a:solidFill>
+                  <a:schemeClr val="tx1"/>
+                </a:solidFill>
+                <a:latin typeface="Calibri" panose="020F0502020204030204" pitchFamily="34" charset="0"/>
+                <a:ea typeface="宋体" panose="02010600030101010101" pitchFamily="2" charset="-122"/>
+              </a:defRPr>
+            </a:lvl4pPr>
+            <a:lvl5pPr marL="2057400" indent="-228600">
+              <a:defRPr>
+                <a:solidFill>
+                  <a:schemeClr val="tx1"/>
+                </a:solidFill>
+                <a:latin typeface="Calibri" panose="020F0502020204030204" pitchFamily="34" charset="0"/>
+                <a:ea typeface="宋体" panose="02010600030101010101" pitchFamily="2" charset="-122"/>
+              </a:defRPr>
+            </a:lvl5pPr>
+            <a:lvl6pPr marL="2514600" indent="-228600" eaLnBrk="0" fontAlgn="base" hangingPunct="0">
+              <a:spcBef>
+                <a:spcPct val="0"/>
+              </a:spcBef>
+              <a:spcAft>
+                <a:spcPct val="0"/>
+              </a:spcAft>
+              <a:defRPr>
+                <a:solidFill>
+                  <a:schemeClr val="tx1"/>
+                </a:solidFill>
+                <a:latin typeface="Calibri" panose="020F0502020204030204" pitchFamily="34" charset="0"/>
+                <a:ea typeface="宋体" panose="02010600030101010101" pitchFamily="2" charset="-122"/>
+              </a:defRPr>
+            </a:lvl6pPr>
+            <a:lvl7pPr marL="2971800" indent="-228600" eaLnBrk="0" fontAlgn="base" hangingPunct="0">
+              <a:spcBef>
+                <a:spcPct val="0"/>
+              </a:spcBef>
+              <a:spcAft>
+                <a:spcPct val="0"/>
+              </a:spcAft>
+              <a:defRPr>
+                <a:solidFill>
+                  <a:schemeClr val="tx1"/>
+                </a:solidFill>
+                <a:latin typeface="Calibri" panose="020F0502020204030204" pitchFamily="34" charset="0"/>
+                <a:ea typeface="宋体" panose="02010600030101010101" pitchFamily="2" charset="-122"/>
+              </a:defRPr>
+            </a:lvl7pPr>
+            <a:lvl8pPr marL="3429000" indent="-228600" eaLnBrk="0" fontAlgn="base" hangingPunct="0">
+              <a:spcBef>
+                <a:spcPct val="0"/>
+              </a:spcBef>
+              <a:spcAft>
+                <a:spcPct val="0"/>
+              </a:spcAft>
+              <a:defRPr>
+                <a:solidFill>
+                  <a:schemeClr val="tx1"/>
+                </a:solidFill>
+                <a:latin typeface="Calibri" panose="020F0502020204030204" pitchFamily="34" charset="0"/>
+                <a:ea typeface="宋体" panose="02010600030101010101" pitchFamily="2" charset="-122"/>
+              </a:defRPr>
+            </a:lvl8pPr>
+            <a:lvl9pPr marL="3886200" indent="-228600" eaLnBrk="0" fontAlgn="base" hangingPunct="0">
+              <a:spcBef>
+                <a:spcPct val="0"/>
+              </a:spcBef>
+              <a:spcAft>
+                <a:spcPct val="0"/>
+              </a:spcAft>
+              <a:defRPr>
+                <a:solidFill>
+                  <a:schemeClr val="tx1"/>
+                </a:solidFill>
+                <a:latin typeface="Calibri" panose="020F0502020204030204" pitchFamily="34" charset="0"/>
+                <a:ea typeface="宋体" panose="02010600030101010101" pitchFamily="2" charset="-122"/>
+              </a:defRPr>
+            </a:lvl9pPr>
+          </a:lstStyle>
+          <a:p>
+            <a:pPr eaLnBrk="1" hangingPunct="1"/>
+            <a:r>
+              <a:rPr lang="zh-CN" altLang="en-US" sz="2000" b="1" dirty="0" smtClean="0">
+                <a:solidFill>
+                  <a:schemeClr val="accent1"/>
+                </a:solidFill>
+                <a:latin typeface="微软雅黑" panose="020B0503020204020204" pitchFamily="34" charset="-122"/>
+                <a:ea typeface="微软雅黑" panose="020B0503020204020204" pitchFamily="34" charset="-122"/>
+              </a:rPr>
+              <a:t>短信</a:t>
+            </a:r>
+            <a:r>
+              <a:rPr lang="zh-CN" altLang="en-US" sz="2000" b="1" dirty="0" smtClean="0">
+                <a:solidFill>
+                  <a:schemeClr val="accent1"/>
+                </a:solidFill>
+                <a:latin typeface="微软雅黑" panose="020B0503020204020204" pitchFamily="34" charset="-122"/>
+                <a:ea typeface="微软雅黑" panose="020B0503020204020204" pitchFamily="34" charset="-122"/>
+              </a:rPr>
+              <a:t>平台</a:t>
+            </a:r>
+            <a:r>
+              <a:rPr lang="en-US" altLang="zh-CN" sz="2000" b="1" dirty="0" err="1" smtClean="0">
+                <a:solidFill>
+                  <a:schemeClr val="accent1"/>
+                </a:solidFill>
+                <a:latin typeface="微软雅黑" panose="020B0503020204020204" pitchFamily="34" charset="-122"/>
+                <a:ea typeface="微软雅黑" panose="020B0503020204020204" pitchFamily="34" charset="-122"/>
+              </a:rPr>
+              <a:t>api</a:t>
+            </a:r>
+            <a:r>
+              <a:rPr lang="zh-CN" altLang="en-US" sz="2000" b="1" dirty="0" smtClean="0">
+                <a:solidFill>
+                  <a:schemeClr val="accent1"/>
+                </a:solidFill>
+                <a:latin typeface="微软雅黑" panose="020B0503020204020204" pitchFamily="34" charset="-122"/>
+                <a:ea typeface="微软雅黑" panose="020B0503020204020204" pitchFamily="34" charset="-122"/>
+              </a:rPr>
+              <a:t>服务设计</a:t>
+            </a:r>
+            <a:endParaRPr lang="zh-CN" altLang="en-US" sz="2000" b="1" dirty="0">
+              <a:solidFill>
+                <a:schemeClr val="accent1"/>
+              </a:solidFill>
+              <a:latin typeface="微软雅黑" panose="020B0503020204020204" pitchFamily="34" charset="-122"/>
+              <a:ea typeface="微软雅黑" panose="020B0503020204020204" pitchFamily="34" charset="-122"/>
+            </a:endParaRPr>
+          </a:p>
+        </p:txBody>
+      </p:sp>
+      <p:sp>
+        <p:nvSpPr>
+          <p:cNvPr id="3" name="文本框 2"/>
+          <p:cNvSpPr txBox="1"/>
+          <p:nvPr/>
+        </p:nvSpPr>
+        <p:spPr>
+          <a:xfrm>
+            <a:off x="467544" y="771550"/>
+            <a:ext cx="8136904" cy="646331"/>
+          </a:xfrm>
+          <a:prstGeom prst="rect">
+            <a:avLst/>
+          </a:prstGeom>
+          <a:noFill/>
+        </p:spPr>
+        <p:txBody>
+          <a:bodyPr wrap="square" rtlCol="0">
+            <a:spAutoFit/>
+          </a:bodyPr>
+          <a:lstStyle/>
+          <a:p>
+            <a:pPr marL="342900" indent="-342900">
+              <a:buFont typeface="+mj-lt"/>
+              <a:buAutoNum type="arabicPeriod"/>
+            </a:pPr>
+            <a:r>
+              <a:rPr kumimoji="1" lang="zh-CN" altLang="en-US" dirty="0" smtClean="0"/>
+              <a:t>统一的拦截器</a:t>
+            </a:r>
+            <a:endParaRPr kumimoji="1" lang="en-US" altLang="zh-CN" dirty="0" smtClean="0"/>
+          </a:p>
+          <a:p>
+            <a:pPr marL="342900" indent="-342900">
+              <a:buFont typeface="+mj-lt"/>
+              <a:buAutoNum type="arabicPeriod"/>
+            </a:pPr>
+            <a:r>
+              <a:rPr kumimoji="1" lang="en-US" altLang="zh-CN" dirty="0" err="1" smtClean="0"/>
+              <a:t>api</a:t>
+            </a:r>
+            <a:r>
+              <a:rPr kumimoji="1" lang="zh-CN" altLang="en-US" dirty="0" smtClean="0"/>
+              <a:t>的角色：承载接口，短信内容合法，则发送到</a:t>
+            </a:r>
+            <a:r>
+              <a:rPr kumimoji="1" lang="en-US" altLang="zh-CN" dirty="0" err="1" smtClean="0"/>
+              <a:t>rocketmq</a:t>
+            </a:r>
+            <a:r>
+              <a:rPr kumimoji="1" lang="zh-CN" altLang="en-US" dirty="0" smtClean="0"/>
+              <a:t>集群</a:t>
+            </a:r>
+            <a:endParaRPr kumimoji="1" lang="zh-CN" altLang="en-US" dirty="0"/>
+          </a:p>
+        </p:txBody>
+      </p:sp>
+    </p:spTree>
+    <p:extLst>
+      <p:ext uri="{BB962C8B-B14F-4D97-AF65-F5344CB8AC3E}">
+        <p14:creationId xmlns:p14="http://schemas.microsoft.com/office/powerpoint/2010/main" val="1294901648"/>
+      </p:ext>
+    </p:extLst>
+  </p:cSld>
+  <p:clrMapOvr>
+    <a:masterClrMapping/>
+  </p:clrMapOvr>
+  <mc:AlternateContent xmlns:mc="http://schemas.openxmlformats.org/markup-compatibility/2006" xmlns:p14="http://schemas.microsoft.com/office/powerpoint/2010/main">
+    <mc:Choice Requires="p14">
+      <p:transition spd="slow" p14:dur="2000" advClick="0" advTm="3000"/>
+    </mc:Choice>
+    <mc:Fallback xmlns="">
+      <p:transition spd="slow" advClick="0" advTm="3000"/>
+    </mc:Fallback>
+  </mc:AlternateContent>
+  <p:timing>
+    <p:tnLst>
+      <p:par>
+        <p:cTn id="1" dur="indefinite" restart="never" nodeType="tmRoot"/>
+      </p:par>
+    </p:tnLst>
+  </p:timing>
+</p:sld>
+</file>
+
+<file path=ppt/slides/slide8.xml><?xml version="1.0" encoding="utf-8"?>
+<p:sld xmlns:a="http://schemas.openxmlformats.org/drawingml/2006/main" xmlns:r="http://schemas.openxmlformats.org/officeDocument/2006/relationships" xmlns:p="http://schemas.openxmlformats.org/presentationml/2006/main">
+  <p:cSld>
+    <p:spTree>
+      <p:nvGrpSpPr>
+        <p:cNvPr id="1" name=""/>
+        <p:cNvGrpSpPr/>
+        <p:nvPr/>
+      </p:nvGrpSpPr>
+      <p:grpSpPr>
+        <a:xfrm>
+          <a:off x="0" y="0"/>
+          <a:ext cx="0" cy="0"/>
+          <a:chOff x="0" y="0"/>
+          <a:chExt cx="0" cy="0"/>
+        </a:xfrm>
+      </p:grpSpPr>
+      <p:sp>
+        <p:nvSpPr>
+          <p:cNvPr id="9218" name="TextBox 41"/>
+          <p:cNvSpPr txBox="1">
+            <a:spLocks noChangeArrowheads="1"/>
+          </p:cNvSpPr>
+          <p:nvPr/>
+        </p:nvSpPr>
+        <p:spPr bwMode="auto">
+          <a:xfrm>
+            <a:off x="323528" y="267494"/>
+            <a:ext cx="5440536" cy="400110"/>
+          </a:xfrm>
+          <a:prstGeom prst="rect">
+            <a:avLst/>
+          </a:prstGeom>
+          <a:noFill/>
+          <a:ln>
+            <a:noFill/>
+          </a:ln>
+          <a:extLst>
+            <a:ext uri="{909E8E84-426E-40DD-AFC4-6F175D3DCCD1}">
+              <a14:hiddenFill xmlns:a14="http://schemas.microsoft.com/office/drawing/2010/main">
+                <a:solidFill>
+                  <a:srgbClr val="FFFFFF"/>
+                </a:solidFill>
+              </a14:hiddenFill>
+            </a:ext>
+            <a:ext uri="{91240B29-F687-4F45-9708-019B960494DF}">
+              <a14:hiddenLine xmlns:a14="http://schemas.microsoft.com/office/drawing/2010/main" w="9525">
+                <a:solidFill>
+                  <a:srgbClr val="000000"/>
+                </a:solidFill>
+                <a:miter lim="800000"/>
+                <a:headEnd/>
+                <a:tailEnd/>
+              </a14:hiddenLine>
+            </a:ext>
+          </a:extLst>
+        </p:spPr>
+        <p:txBody>
+          <a:bodyPr wrap="square">
+            <a:spAutoFit/>
+          </a:bodyPr>
+          <a:lstStyle>
+            <a:lvl1pPr>
+              <a:defRPr>
+                <a:solidFill>
+                  <a:schemeClr val="tx1"/>
+                </a:solidFill>
+                <a:latin typeface="Calibri" panose="020F0502020204030204" pitchFamily="34" charset="0"/>
+                <a:ea typeface="宋体" panose="02010600030101010101" pitchFamily="2" charset="-122"/>
+              </a:defRPr>
+            </a:lvl1pPr>
+            <a:lvl2pPr marL="742950" indent="-285750">
+              <a:defRPr>
+                <a:solidFill>
+                  <a:schemeClr val="tx1"/>
+                </a:solidFill>
+                <a:latin typeface="Calibri" panose="020F0502020204030204" pitchFamily="34" charset="0"/>
+                <a:ea typeface="宋体" panose="02010600030101010101" pitchFamily="2" charset="-122"/>
+              </a:defRPr>
+            </a:lvl2pPr>
+            <a:lvl3pPr marL="1143000" indent="-228600">
+              <a:defRPr>
+                <a:solidFill>
+                  <a:schemeClr val="tx1"/>
+                </a:solidFill>
+                <a:latin typeface="Calibri" panose="020F0502020204030204" pitchFamily="34" charset="0"/>
+                <a:ea typeface="宋体" panose="02010600030101010101" pitchFamily="2" charset="-122"/>
+              </a:defRPr>
+            </a:lvl3pPr>
+            <a:lvl4pPr marL="1600200" indent="-228600">
+              <a:defRPr>
+                <a:solidFill>
+                  <a:schemeClr val="tx1"/>
+                </a:solidFill>
+                <a:latin typeface="Calibri" panose="020F0502020204030204" pitchFamily="34" charset="0"/>
+                <a:ea typeface="宋体" panose="02010600030101010101" pitchFamily="2" charset="-122"/>
+              </a:defRPr>
+            </a:lvl4pPr>
+            <a:lvl5pPr marL="2057400" indent="-228600">
+              <a:defRPr>
+                <a:solidFill>
+                  <a:schemeClr val="tx1"/>
+                </a:solidFill>
+                <a:latin typeface="Calibri" panose="020F0502020204030204" pitchFamily="34" charset="0"/>
+                <a:ea typeface="宋体" panose="02010600030101010101" pitchFamily="2" charset="-122"/>
+              </a:defRPr>
+            </a:lvl5pPr>
+            <a:lvl6pPr marL="2514600" indent="-228600" eaLnBrk="0" fontAlgn="base" hangingPunct="0">
+              <a:spcBef>
+                <a:spcPct val="0"/>
+              </a:spcBef>
+              <a:spcAft>
+                <a:spcPct val="0"/>
+              </a:spcAft>
+              <a:defRPr>
+                <a:solidFill>
+                  <a:schemeClr val="tx1"/>
+                </a:solidFill>
+                <a:latin typeface="Calibri" panose="020F0502020204030204" pitchFamily="34" charset="0"/>
+                <a:ea typeface="宋体" panose="02010600030101010101" pitchFamily="2" charset="-122"/>
+              </a:defRPr>
+            </a:lvl6pPr>
+            <a:lvl7pPr marL="2971800" indent="-228600" eaLnBrk="0" fontAlgn="base" hangingPunct="0">
+              <a:spcBef>
+                <a:spcPct val="0"/>
+              </a:spcBef>
+              <a:spcAft>
+                <a:spcPct val="0"/>
+              </a:spcAft>
+              <a:defRPr>
+                <a:solidFill>
+                  <a:schemeClr val="tx1"/>
+                </a:solidFill>
+                <a:latin typeface="Calibri" panose="020F0502020204030204" pitchFamily="34" charset="0"/>
+                <a:ea typeface="宋体" panose="02010600030101010101" pitchFamily="2" charset="-122"/>
+              </a:defRPr>
+            </a:lvl7pPr>
+            <a:lvl8pPr marL="3429000" indent="-228600" eaLnBrk="0" fontAlgn="base" hangingPunct="0">
+              <a:spcBef>
+                <a:spcPct val="0"/>
+              </a:spcBef>
+              <a:spcAft>
+                <a:spcPct val="0"/>
+              </a:spcAft>
+              <a:defRPr>
+                <a:solidFill>
+                  <a:schemeClr val="tx1"/>
+                </a:solidFill>
+                <a:latin typeface="Calibri" panose="020F0502020204030204" pitchFamily="34" charset="0"/>
+                <a:ea typeface="宋体" panose="02010600030101010101" pitchFamily="2" charset="-122"/>
+              </a:defRPr>
+            </a:lvl8pPr>
+            <a:lvl9pPr marL="3886200" indent="-228600" eaLnBrk="0" fontAlgn="base" hangingPunct="0">
+              <a:spcBef>
+                <a:spcPct val="0"/>
+              </a:spcBef>
+              <a:spcAft>
+                <a:spcPct val="0"/>
+              </a:spcAft>
+              <a:defRPr>
+                <a:solidFill>
+                  <a:schemeClr val="tx1"/>
+                </a:solidFill>
+                <a:latin typeface="Calibri" panose="020F0502020204030204" pitchFamily="34" charset="0"/>
+                <a:ea typeface="宋体" panose="02010600030101010101" pitchFamily="2" charset="-122"/>
+              </a:defRPr>
+            </a:lvl9pPr>
+          </a:lstStyle>
+          <a:p>
+            <a:pPr eaLnBrk="1" hangingPunct="1"/>
+            <a:r>
+              <a:rPr lang="en-US" altLang="zh-CN" sz="2000" b="1" dirty="0" err="1" smtClean="0">
+                <a:solidFill>
+                  <a:schemeClr val="accent1"/>
+                </a:solidFill>
+                <a:latin typeface="微软雅黑" panose="020B0503020204020204" pitchFamily="34" charset="-122"/>
+                <a:ea typeface="微软雅黑" panose="020B0503020204020204" pitchFamily="34" charset="-122"/>
+              </a:rPr>
+              <a:t>Rocketmq</a:t>
+            </a:r>
+            <a:r>
+              <a:rPr lang="en-US" altLang="zh-CN" sz="2000" b="1" dirty="0" smtClean="0">
+                <a:solidFill>
+                  <a:schemeClr val="accent1"/>
+                </a:solidFill>
+                <a:latin typeface="微软雅黑" panose="020B0503020204020204" pitchFamily="34" charset="-122"/>
+                <a:ea typeface="微软雅黑" panose="020B0503020204020204" pitchFamily="34" charset="-122"/>
+              </a:rPr>
+              <a:t> topic</a:t>
+            </a:r>
+            <a:r>
+              <a:rPr lang="zh-CN" altLang="en-US" sz="2000" b="1" dirty="0" smtClean="0">
+                <a:solidFill>
+                  <a:schemeClr val="accent1"/>
+                </a:solidFill>
+                <a:latin typeface="微软雅黑" panose="020B0503020204020204" pitchFamily="34" charset="-122"/>
+                <a:ea typeface="微软雅黑" panose="020B0503020204020204" pitchFamily="34" charset="-122"/>
+              </a:rPr>
+              <a:t> 设计</a:t>
+            </a:r>
+            <a:endParaRPr lang="zh-CN" altLang="en-US" sz="2000" b="1" dirty="0">
+              <a:solidFill>
+                <a:schemeClr val="accent1"/>
+              </a:solidFill>
+              <a:latin typeface="微软雅黑" panose="020B0503020204020204" pitchFamily="34" charset="-122"/>
+              <a:ea typeface="微软雅黑" panose="020B0503020204020204" pitchFamily="34" charset="-122"/>
+            </a:endParaRPr>
+          </a:p>
+        </p:txBody>
+      </p:sp>
+      <p:sp>
+        <p:nvSpPr>
+          <p:cNvPr id="2" name="文本框 1"/>
+          <p:cNvSpPr txBox="1"/>
+          <p:nvPr/>
+        </p:nvSpPr>
+        <p:spPr>
+          <a:xfrm>
+            <a:off x="467544" y="771550"/>
+            <a:ext cx="8208912" cy="369332"/>
+          </a:xfrm>
+          <a:prstGeom prst="rect">
+            <a:avLst/>
+          </a:prstGeom>
+          <a:noFill/>
+        </p:spPr>
+        <p:txBody>
+          <a:bodyPr wrap="square" rtlCol="0">
+            <a:spAutoFit/>
+          </a:bodyPr>
+          <a:lstStyle/>
+          <a:p>
+            <a:pPr marL="342900" indent="-342900">
+              <a:buFont typeface="+mj-lt"/>
+              <a:buAutoNum type="arabicPeriod"/>
+            </a:pPr>
+            <a:r>
+              <a:rPr kumimoji="1" lang="en-US" altLang="zh-CN" dirty="0" smtClean="0"/>
+              <a:t>Topic: </a:t>
+            </a:r>
+            <a:r>
+              <a:rPr lang="en-US" altLang="zh-CN" b="1" smtClean="0"/>
+              <a:t>platform_sms_single_topic</a:t>
+            </a:r>
+            <a:endParaRPr lang="en-US" altLang="zh-CN" b="1" dirty="0" smtClean="0"/>
+          </a:p>
+        </p:txBody>
+      </p:sp>
+    </p:spTree>
+    <p:extLst>
+      <p:ext uri="{BB962C8B-B14F-4D97-AF65-F5344CB8AC3E}">
+        <p14:creationId xmlns:p14="http://schemas.microsoft.com/office/powerpoint/2010/main" val="1066537150"/>
+      </p:ext>
+    </p:extLst>
+  </p:cSld>
+  <p:clrMapOvr>
+    <a:masterClrMapping/>
+  </p:clrMapOvr>
+  <mc:AlternateContent xmlns:mc="http://schemas.openxmlformats.org/markup-compatibility/2006" xmlns:p14="http://schemas.microsoft.com/office/powerpoint/2010/main">
+    <mc:Choice Requires="p14">
+      <p:transition spd="slow" p14:dur="2000" advClick="0" advTm="3000"/>
+    </mc:Choice>
+    <mc:Fallback xmlns="">
+      <p:transition spd="slow" advClick="0" advTm="3000"/>
+    </mc:Fallback>
+  </mc:AlternateContent>
+  <p:timing>
+    <p:tnLst>
+      <p:par>
+        <p:cTn id="1" dur="indefinite" restart="never" nodeType="tmRoot"/>
+      </p:par>
+    </p:tnLst>
+  </p:timing>
+</p:sld>
+</file>
+
+<file path=ppt/slides/slide9.xml><?xml version="1.0" encoding="utf-8"?>
 <p:sld xmlns:a="http://schemas.openxmlformats.org/drawingml/2006/main" xmlns:r="http://schemas.openxmlformats.org/officeDocument/2006/relationships" xmlns:p="http://schemas.openxmlformats.org/presentationml/2006/main" showMasterSp="0">
   <p:cSld>
     <p:bg>

--- a/doc/模仿腾讯云短信服务.pptx
+++ b/doc/模仿腾讯云短信服务.pptx
@@ -9063,7 +9063,7 @@
               <a:t>Topic: </a:t>
             </a:r>
             <a:r>
-              <a:rPr lang="en-US" altLang="zh-CN" b="1" smtClean="0"/>
+              <a:rPr lang="en-US" altLang="zh-CN" b="1" dirty="0" err="1" smtClean="0"/>
               <a:t>platform_sms_single_topic</a:t>
             </a:r>
             <a:endParaRPr lang="en-US" altLang="zh-CN" b="1" dirty="0" smtClean="0"/>

--- a/doc/模仿腾讯云短信服务.pptx
+++ b/doc/模仿腾讯云短信服务.pptx
@@ -219,7 +219,7 @@
           <a:p>
             <a:fld id="{D9F527A3-2C66-4593-8805-7D1A852EC895}" type="datetimeFigureOut">
               <a:rPr lang="zh-CN" altLang="en-US" smtClean="0"/>
-              <a:t>2020/1/6</a:t>
+              <a:t>2020/1/10</a:t>
             </a:fld>
             <a:endParaRPr lang="zh-CN" altLang="en-US"/>
           </a:p>
@@ -2592,7 +2592,7 @@
           <a:p>
             <a:fld id="{530820CF-B880-4189-942D-D702A7CBA730}" type="datetimeFigureOut">
               <a:rPr lang="zh-CN" altLang="en-US" smtClean="0"/>
-              <a:t>2020/1/6</a:t>
+              <a:t>2020/1/10</a:t>
             </a:fld>
             <a:endParaRPr lang="zh-CN" altLang="en-US"/>
           </a:p>
@@ -2757,7 +2757,7 @@
           <a:p>
             <a:fld id="{530820CF-B880-4189-942D-D702A7CBA730}" type="datetimeFigureOut">
               <a:rPr lang="zh-CN" altLang="en-US" smtClean="0"/>
-              <a:t>2020/1/6</a:t>
+              <a:t>2020/1/10</a:t>
             </a:fld>
             <a:endParaRPr lang="zh-CN" altLang="en-US"/>
           </a:p>
@@ -2932,7 +2932,7 @@
           <a:p>
             <a:fld id="{530820CF-B880-4189-942D-D702A7CBA730}" type="datetimeFigureOut">
               <a:rPr lang="zh-CN" altLang="en-US" smtClean="0"/>
-              <a:t>2020/1/6</a:t>
+              <a:t>2020/1/10</a:t>
             </a:fld>
             <a:endParaRPr lang="zh-CN" altLang="en-US"/>
           </a:p>
@@ -3341,7 +3341,7 @@
           <a:p>
             <a:fld id="{530820CF-B880-4189-942D-D702A7CBA730}" type="datetimeFigureOut">
               <a:rPr lang="zh-CN" altLang="en-US" smtClean="0"/>
-              <a:t>2020/1/6</a:t>
+              <a:t>2020/1/10</a:t>
             </a:fld>
             <a:endParaRPr lang="zh-CN" altLang="en-US"/>
           </a:p>
@@ -3582,7 +3582,7 @@
           <a:p>
             <a:fld id="{530820CF-B880-4189-942D-D702A7CBA730}" type="datetimeFigureOut">
               <a:rPr lang="zh-CN" altLang="en-US" smtClean="0"/>
-              <a:t>2020/1/6</a:t>
+              <a:t>2020/1/10</a:t>
             </a:fld>
             <a:endParaRPr lang="zh-CN" altLang="en-US"/>
           </a:p>
@@ -3865,7 +3865,7 @@
           <a:p>
             <a:fld id="{530820CF-B880-4189-942D-D702A7CBA730}" type="datetimeFigureOut">
               <a:rPr lang="zh-CN" altLang="en-US" smtClean="0"/>
-              <a:t>2020/1/6</a:t>
+              <a:t>2020/1/10</a:t>
             </a:fld>
             <a:endParaRPr lang="zh-CN" altLang="en-US"/>
           </a:p>
@@ -4282,7 +4282,7 @@
           <a:p>
             <a:fld id="{530820CF-B880-4189-942D-D702A7CBA730}" type="datetimeFigureOut">
               <a:rPr lang="zh-CN" altLang="en-US" smtClean="0"/>
-              <a:t>2020/1/6</a:t>
+              <a:t>2020/1/10</a:t>
             </a:fld>
             <a:endParaRPr lang="zh-CN" altLang="en-US"/>
           </a:p>
@@ -4395,7 +4395,7 @@
           <a:p>
             <a:fld id="{530820CF-B880-4189-942D-D702A7CBA730}" type="datetimeFigureOut">
               <a:rPr lang="zh-CN" altLang="en-US" smtClean="0"/>
-              <a:t>2020/1/6</a:t>
+              <a:t>2020/1/10</a:t>
             </a:fld>
             <a:endParaRPr lang="zh-CN" altLang="en-US"/>
           </a:p>
@@ -4485,7 +4485,7 @@
           <a:p>
             <a:fld id="{530820CF-B880-4189-942D-D702A7CBA730}" type="datetimeFigureOut">
               <a:rPr lang="zh-CN" altLang="en-US" smtClean="0"/>
-              <a:t>2020/1/6</a:t>
+              <a:t>2020/1/10</a:t>
             </a:fld>
             <a:endParaRPr lang="zh-CN" altLang="en-US"/>
           </a:p>
@@ -4757,7 +4757,7 @@
           <a:p>
             <a:fld id="{530820CF-B880-4189-942D-D702A7CBA730}" type="datetimeFigureOut">
               <a:rPr lang="zh-CN" altLang="en-US" smtClean="0"/>
-              <a:t>2020/1/6</a:t>
+              <a:t>2020/1/10</a:t>
             </a:fld>
             <a:endParaRPr lang="zh-CN" altLang="en-US"/>
           </a:p>
@@ -5005,7 +5005,7 @@
           <a:p>
             <a:fld id="{530820CF-B880-4189-942D-D702A7CBA730}" type="datetimeFigureOut">
               <a:rPr lang="zh-CN" altLang="en-US" smtClean="0"/>
-              <a:t>2020/1/6</a:t>
+              <a:t>2020/1/10</a:t>
             </a:fld>
             <a:endParaRPr lang="zh-CN" altLang="en-US"/>
           </a:p>
@@ -5213,7 +5213,7 @@
           <a:p>
             <a:fld id="{530820CF-B880-4189-942D-D702A7CBA730}" type="datetimeFigureOut">
               <a:rPr lang="zh-CN" altLang="en-US" smtClean="0"/>
-              <a:t>2020/1/6</a:t>
+              <a:t>2020/1/10</a:t>
             </a:fld>
             <a:endParaRPr lang="zh-CN" altLang="en-US"/>
           </a:p>
@@ -7714,19 +7714,35 @@
               <a:buAutoNum type="arabicPeriod"/>
             </a:pPr>
             <a:r>
-              <a:rPr kumimoji="1" lang="zh-CN" altLang="en-US" dirty="0" smtClean="0"/>
+              <a:rPr kumimoji="1" lang="zh-CN" altLang="en-US" dirty="0" smtClean="0">
+                <a:solidFill>
+                  <a:srgbClr val="FF0000"/>
+                </a:solidFill>
+              </a:rPr>
               <a:t>发送单条短信</a:t>
             </a:r>
             <a:r>
-              <a:rPr kumimoji="1" lang="en-US" altLang="zh-CN" dirty="0" smtClean="0"/>
+              <a:rPr kumimoji="1" lang="en-US" altLang="zh-CN" dirty="0" smtClean="0">
+                <a:solidFill>
+                  <a:srgbClr val="FF0000"/>
+                </a:solidFill>
+              </a:rPr>
               <a:t>(</a:t>
             </a:r>
             <a:r>
-              <a:rPr kumimoji="1" lang="zh-CN" altLang="en-US" dirty="0" smtClean="0"/>
+              <a:rPr kumimoji="1" lang="zh-CN" altLang="en-US" dirty="0" smtClean="0">
+                <a:solidFill>
+                  <a:srgbClr val="FF0000"/>
+                </a:solidFill>
+              </a:rPr>
               <a:t>课程的重点是发送单条短信</a:t>
             </a:r>
             <a:r>
-              <a:rPr kumimoji="1" lang="en-US" altLang="zh-CN" dirty="0" smtClean="0"/>
+              <a:rPr kumimoji="1" lang="en-US" altLang="zh-CN" dirty="0" smtClean="0">
+                <a:solidFill>
+                  <a:srgbClr val="FF0000"/>
+                </a:solidFill>
+              </a:rPr>
               <a:t>)</a:t>
             </a:r>
           </a:p>
@@ -8695,17 +8711,7 @@
                 <a:latin typeface="微软雅黑" panose="020B0503020204020204" pitchFamily="34" charset="-122"/>
                 <a:ea typeface="微软雅黑" panose="020B0503020204020204" pitchFamily="34" charset="-122"/>
               </a:rPr>
-              <a:t>短信</a:t>
-            </a:r>
-            <a:r>
-              <a:rPr lang="zh-CN" altLang="en-US" sz="2000" b="1" dirty="0" smtClean="0">
-                <a:solidFill>
-                  <a:schemeClr val="accent1"/>
-                </a:solidFill>
-                <a:latin typeface="微软雅黑" panose="020B0503020204020204" pitchFamily="34" charset="-122"/>
-                <a:ea typeface="微软雅黑" panose="020B0503020204020204" pitchFamily="34" charset="-122"/>
-              </a:rPr>
-              <a:t>平台</a:t>
+              <a:t>短信平台</a:t>
             </a:r>
             <a:r>
               <a:rPr lang="en-US" altLang="zh-CN" sz="2000" b="1" dirty="0" err="1" smtClean="0">
